--- a/FSL Devils.pptx
+++ b/FSL Devils.pptx
@@ -6,17 +6,19 @@
     <p:sldMasterId id="2147483657" r:id="rId2"/>
   </p:sldMasterIdLst>
   <p:notesMasterIdLst>
-    <p:notesMasterId r:id="rId11"/>
+    <p:notesMasterId r:id="rId13"/>
   </p:notesMasterIdLst>
   <p:sldIdLst>
     <p:sldId id="256" r:id="rId3"/>
-    <p:sldId id="259" r:id="rId4"/>
-    <p:sldId id="265" r:id="rId5"/>
-    <p:sldId id="266" r:id="rId6"/>
-    <p:sldId id="267" r:id="rId7"/>
-    <p:sldId id="269" r:id="rId8"/>
-    <p:sldId id="268" r:id="rId9"/>
-    <p:sldId id="270" r:id="rId10"/>
+    <p:sldId id="265" r:id="rId4"/>
+    <p:sldId id="259" r:id="rId5"/>
+    <p:sldId id="267" r:id="rId6"/>
+    <p:sldId id="266" r:id="rId7"/>
+    <p:sldId id="272" r:id="rId8"/>
+    <p:sldId id="271" r:id="rId9"/>
+    <p:sldId id="268" r:id="rId10"/>
+    <p:sldId id="270" r:id="rId11"/>
+    <p:sldId id="273" r:id="rId12"/>
   </p:sldIdLst>
   <p:sldSz cx="9144000" cy="6858000" type="screen4x3"/>
   <p:notesSz cx="7315200" cy="9601200"/>
@@ -147,7 +149,7 @@
   </p:defaultTextStyle>
   <p:extLst>
     <p:ext uri="{EFAFB233-063F-42B5-8137-9DF3F51BA10A}">
-      <p15:sldGuideLst xmlns:p15="http://schemas.microsoft.com/office/powerpoint/2012/main" xmlns="">
+      <p15:sldGuideLst xmlns="" xmlns:p15="http://schemas.microsoft.com/office/powerpoint/2012/main">
         <p15:guide id="1" orient="horz" pos="2160" userDrawn="1">
           <p15:clr>
             <a:srgbClr val="A4A3A4"/>
@@ -161,7 +163,7 @@
       </p15:sldGuideLst>
     </p:ext>
     <p:ext uri="{2D200454-40CA-4A62-9FC3-DE9A4176ACB9}">
-      <p15:notesGuideLst xmlns:p15="http://schemas.microsoft.com/office/powerpoint/2012/main" xmlns="">
+      <p15:notesGuideLst xmlns="" xmlns:p15="http://schemas.microsoft.com/office/powerpoint/2012/main">
         <p15:guide id="1" orient="horz" pos="3024">
           <p15:clr>
             <a:srgbClr val="A4A3A4"/>
@@ -261,7 +263,7 @@
             <a:fld id="{FDBDBC61-95AB-4994-8D38-E9C8F0DE7813}" type="datetimeFigureOut">
               <a:rPr lang="en-US" smtClean="0"/>
               <a:pPr/>
-              <a:t>7/16/2014</a:t>
+              <a:t>7/17/2014</a:t>
             </a:fld>
             <a:endParaRPr lang="en-US" dirty="0"/>
           </a:p>
@@ -430,7 +432,7 @@
     </p:spTree>
     <p:extLst>
       <p:ext uri="{BB962C8B-B14F-4D97-AF65-F5344CB8AC3E}">
-        <p14:creationId xmlns:p14="http://schemas.microsoft.com/office/powerpoint/2010/main" xmlns="" val="39823712"/>
+        <p14:creationId xmlns="" xmlns:p14="http://schemas.microsoft.com/office/powerpoint/2010/main" val="39823712"/>
       </p:ext>
     </p:extLst>
   </p:cSld>
@@ -528,6 +530,247 @@
     </a:lvl9pPr>
   </p:notesStyle>
 </p:notesMaster>
+</file>
+
+<file path=ppt/notesSlides/notesSlide1.xml><?xml version="1.0" encoding="utf-8"?>
+<p:notes xmlns:a="http://schemas.openxmlformats.org/drawingml/2006/main" xmlns:r="http://schemas.openxmlformats.org/officeDocument/2006/relationships" xmlns:p="http://schemas.openxmlformats.org/presentationml/2006/main">
+  <p:cSld>
+    <p:spTree>
+      <p:nvGrpSpPr>
+        <p:cNvPr id="1" name=""/>
+        <p:cNvGrpSpPr/>
+        <p:nvPr/>
+      </p:nvGrpSpPr>
+      <p:grpSpPr>
+        <a:xfrm>
+          <a:off x="0" y="0"/>
+          <a:ext cx="0" cy="0"/>
+          <a:chOff x="0" y="0"/>
+          <a:chExt cx="0" cy="0"/>
+        </a:xfrm>
+      </p:grpSpPr>
+      <p:sp>
+        <p:nvSpPr>
+          <p:cNvPr id="2" name="Slide Image Placeholder 1"/>
+          <p:cNvSpPr>
+            <a:spLocks noGrp="1" noRot="1" noChangeAspect="1"/>
+          </p:cNvSpPr>
+          <p:nvPr>
+            <p:ph type="sldImg"/>
+          </p:nvPr>
+        </p:nvSpPr>
+        <p:spPr/>
+      </p:sp>
+      <p:sp>
+        <p:nvSpPr>
+          <p:cNvPr id="3" name="Notes Placeholder 2"/>
+          <p:cNvSpPr>
+            <a:spLocks noGrp="1"/>
+          </p:cNvSpPr>
+          <p:nvPr>
+            <p:ph type="body" idx="1"/>
+          </p:nvPr>
+        </p:nvSpPr>
+        <p:spPr/>
+        <p:txBody>
+          <a:bodyPr>
+            <a:normAutofit/>
+          </a:bodyPr>
+          <a:lstStyle/>
+          <a:p>
+            <a:r>
+              <a:rPr lang="en-US" dirty="0" smtClean="0"/>
+              <a:t>Show conference room finding ability non W</a:t>
+            </a:r>
+          </a:p>
+          <a:p>
+            <a:pPr marL="0" marR="0" indent="0" algn="l" defTabSz="914400" rtl="0" eaLnBrk="1" fontAlgn="auto" latinLnBrk="0" hangingPunct="1">
+              <a:lnSpc>
+                <a:spcPct val="100000"/>
+              </a:lnSpc>
+              <a:spcBef>
+                <a:spcPts val="0"/>
+              </a:spcBef>
+              <a:spcAft>
+                <a:spcPts val="0"/>
+              </a:spcAft>
+              <a:buClrTx/>
+              <a:buSzTx/>
+              <a:buFontTx/>
+              <a:buNone/>
+              <a:tabLst/>
+              <a:defRPr/>
+            </a:pPr>
+            <a:r>
+              <a:rPr lang="en-US" dirty="0" smtClean="0"/>
+              <a:t>Show conference room finding ability Keystone</a:t>
+            </a:r>
+          </a:p>
+          <a:p>
+            <a:pPr marL="0" marR="0" indent="0" algn="l" defTabSz="914400" rtl="0" eaLnBrk="1" fontAlgn="auto" latinLnBrk="0" hangingPunct="1">
+              <a:lnSpc>
+                <a:spcPct val="100000"/>
+              </a:lnSpc>
+              <a:spcBef>
+                <a:spcPts val="0"/>
+              </a:spcBef>
+              <a:spcAft>
+                <a:spcPts val="0"/>
+              </a:spcAft>
+              <a:buClrTx/>
+              <a:buSzTx/>
+              <a:buFontTx/>
+              <a:buNone/>
+              <a:tabLst/>
+              <a:defRPr/>
+            </a:pPr>
+            <a:r>
+              <a:rPr lang="en-US" dirty="0" smtClean="0"/>
+              <a:t>Show people finding capability</a:t>
+            </a:r>
+          </a:p>
+          <a:p>
+            <a:pPr marL="0" marR="0" indent="0" algn="l" defTabSz="914400" rtl="0" eaLnBrk="1" fontAlgn="auto" latinLnBrk="0" hangingPunct="1">
+              <a:lnSpc>
+                <a:spcPct val="100000"/>
+              </a:lnSpc>
+              <a:spcBef>
+                <a:spcPts val="0"/>
+              </a:spcBef>
+              <a:spcAft>
+                <a:spcPts val="0"/>
+              </a:spcAft>
+              <a:buClrTx/>
+              <a:buSzTx/>
+              <a:buFontTx/>
+              <a:buNone/>
+              <a:tabLst/>
+              <a:defRPr/>
+            </a:pPr>
+            <a:r>
+              <a:rPr lang="en-US" dirty="0" smtClean="0"/>
+              <a:t>Responsive</a:t>
+            </a:r>
+            <a:r>
+              <a:rPr lang="en-US" baseline="0" dirty="0" smtClean="0"/>
+              <a:t> layout: works across browsers and platforms and devices</a:t>
+            </a:r>
+            <a:endParaRPr lang="en-US" dirty="0" smtClean="0"/>
+          </a:p>
+        </p:txBody>
+      </p:sp>
+      <p:sp>
+        <p:nvSpPr>
+          <p:cNvPr id="4" name="Slide Number Placeholder 3"/>
+          <p:cNvSpPr>
+            <a:spLocks noGrp="1"/>
+          </p:cNvSpPr>
+          <p:nvPr>
+            <p:ph type="sldNum" sz="quarter" idx="10"/>
+          </p:nvPr>
+        </p:nvSpPr>
+        <p:spPr/>
+        <p:txBody>
+          <a:bodyPr/>
+          <a:lstStyle/>
+          <a:p>
+            <a:fld id="{F251ACF2-61CE-4F2C-8695-05EA7A39F55C}" type="slidenum">
+              <a:rPr lang="en-US" smtClean="0"/>
+              <a:pPr/>
+              <a:t>3</a:t>
+            </a:fld>
+            <a:endParaRPr lang="en-US" dirty="0"/>
+          </a:p>
+        </p:txBody>
+      </p:sp>
+    </p:spTree>
+  </p:cSld>
+  <p:clrMapOvr>
+    <a:masterClrMapping/>
+  </p:clrMapOvr>
+</p:notes>
+</file>
+
+<file path=ppt/notesSlides/notesSlide2.xml><?xml version="1.0" encoding="utf-8"?>
+<p:notes xmlns:a="http://schemas.openxmlformats.org/drawingml/2006/main" xmlns:r="http://schemas.openxmlformats.org/officeDocument/2006/relationships" xmlns:p="http://schemas.openxmlformats.org/presentationml/2006/main">
+  <p:cSld>
+    <p:spTree>
+      <p:nvGrpSpPr>
+        <p:cNvPr id="1" name=""/>
+        <p:cNvGrpSpPr/>
+        <p:nvPr/>
+      </p:nvGrpSpPr>
+      <p:grpSpPr>
+        <a:xfrm>
+          <a:off x="0" y="0"/>
+          <a:ext cx="0" cy="0"/>
+          <a:chOff x="0" y="0"/>
+          <a:chExt cx="0" cy="0"/>
+        </a:xfrm>
+      </p:grpSpPr>
+      <p:sp>
+        <p:nvSpPr>
+          <p:cNvPr id="2" name="Slide Image Placeholder 1"/>
+          <p:cNvSpPr>
+            <a:spLocks noGrp="1" noRot="1" noChangeAspect="1"/>
+          </p:cNvSpPr>
+          <p:nvPr>
+            <p:ph type="sldImg"/>
+          </p:nvPr>
+        </p:nvSpPr>
+        <p:spPr/>
+      </p:sp>
+      <p:sp>
+        <p:nvSpPr>
+          <p:cNvPr id="3" name="Notes Placeholder 2"/>
+          <p:cNvSpPr>
+            <a:spLocks noGrp="1"/>
+          </p:cNvSpPr>
+          <p:nvPr>
+            <p:ph type="body" idx="1"/>
+          </p:nvPr>
+        </p:nvSpPr>
+        <p:spPr/>
+        <p:txBody>
+          <a:bodyPr>
+            <a:normAutofit/>
+          </a:bodyPr>
+          <a:lstStyle/>
+          <a:p>
+            <a:endParaRPr lang="en-US" dirty="0"/>
+          </a:p>
+        </p:txBody>
+      </p:sp>
+      <p:sp>
+        <p:nvSpPr>
+          <p:cNvPr id="4" name="Slide Number Placeholder 3"/>
+          <p:cNvSpPr>
+            <a:spLocks noGrp="1"/>
+          </p:cNvSpPr>
+          <p:nvPr>
+            <p:ph type="sldNum" sz="quarter" idx="10"/>
+          </p:nvPr>
+        </p:nvSpPr>
+        <p:spPr/>
+        <p:txBody>
+          <a:bodyPr/>
+          <a:lstStyle/>
+          <a:p>
+            <a:fld id="{F251ACF2-61CE-4F2C-8695-05EA7A39F55C}" type="slidenum">
+              <a:rPr lang="en-US" smtClean="0"/>
+              <a:pPr/>
+              <a:t>4</a:t>
+            </a:fld>
+            <a:endParaRPr lang="en-US" dirty="0"/>
+          </a:p>
+        </p:txBody>
+      </p:sp>
+    </p:spTree>
+  </p:cSld>
+  <p:clrMapOvr>
+    <a:masterClrMapping/>
+  </p:clrMapOvr>
+</p:notes>
 </file>
 
 <file path=ppt/slideLayouts/slideLayout1.xml><?xml version="1.0" encoding="utf-8"?>
@@ -3850,7 +4093,7 @@
           <a:blip r:embed="rId2" cstate="print">
             <a:extLst>
               <a:ext uri="{28A0092B-C50C-407E-A947-70E740481C1C}">
-                <a14:useLocalDpi xmlns:a14="http://schemas.microsoft.com/office/drawing/2010/main" xmlns="" val="0"/>
+                <a14:useLocalDpi xmlns="" xmlns:a14="http://schemas.microsoft.com/office/drawing/2010/main" val="0"/>
               </a:ext>
             </a:extLst>
           </a:blip>
@@ -3871,7 +4114,7 @@
     </p:spTree>
     <p:extLst>
       <p:ext uri="{BB962C8B-B14F-4D97-AF65-F5344CB8AC3E}">
-        <p14:creationId xmlns:p14="http://schemas.microsoft.com/office/powerpoint/2010/main" xmlns="" val="3436846549"/>
+        <p14:creationId xmlns="" xmlns:p14="http://schemas.microsoft.com/office/powerpoint/2010/main" val="3436846549"/>
       </p:ext>
     </p:extLst>
   </p:cSld>
@@ -4012,7 +4255,7 @@
     </p:spTree>
     <p:extLst>
       <p:ext uri="{BB962C8B-B14F-4D97-AF65-F5344CB8AC3E}">
-        <p14:creationId xmlns:p14="http://schemas.microsoft.com/office/powerpoint/2010/main" xmlns="" val="2891333327"/>
+        <p14:creationId xmlns="" xmlns:p14="http://schemas.microsoft.com/office/powerpoint/2010/main" val="2891333327"/>
       </p:ext>
     </p:extLst>
   </p:cSld>
@@ -4249,7 +4492,7 @@
     </p:spTree>
     <p:extLst>
       <p:ext uri="{BB962C8B-B14F-4D97-AF65-F5344CB8AC3E}">
-        <p14:creationId xmlns:p14="http://schemas.microsoft.com/office/powerpoint/2010/main" xmlns="" val="3277448199"/>
+        <p14:creationId xmlns="" xmlns:p14="http://schemas.microsoft.com/office/powerpoint/2010/main" val="3277448199"/>
       </p:ext>
     </p:extLst>
   </p:cSld>
@@ -4520,7 +4763,7 @@
     </p:spTree>
     <p:extLst>
       <p:ext uri="{BB962C8B-B14F-4D97-AF65-F5344CB8AC3E}">
-        <p14:creationId xmlns:p14="http://schemas.microsoft.com/office/powerpoint/2010/main" xmlns="" val="4044517314"/>
+        <p14:creationId xmlns="" xmlns:p14="http://schemas.microsoft.com/office/powerpoint/2010/main" val="4044517314"/>
       </p:ext>
     </p:extLst>
   </p:cSld>
@@ -5380,7 +5623,7 @@
     </p:spTree>
     <p:extLst>
       <p:ext uri="{BB962C8B-B14F-4D97-AF65-F5344CB8AC3E}">
-        <p14:creationId xmlns:p14="http://schemas.microsoft.com/office/powerpoint/2010/main" xmlns="" val="3945435947"/>
+        <p14:creationId xmlns="" xmlns:p14="http://schemas.microsoft.com/office/powerpoint/2010/main" val="3945435947"/>
       </p:ext>
     </p:extLst>
   </p:cSld>
@@ -6244,7 +6487,7 @@
     </p:spTree>
     <p:extLst>
       <p:ext uri="{BB962C8B-B14F-4D97-AF65-F5344CB8AC3E}">
-        <p14:creationId xmlns:p14="http://schemas.microsoft.com/office/powerpoint/2010/main" xmlns="" val="2150672258"/>
+        <p14:creationId xmlns="" xmlns:p14="http://schemas.microsoft.com/office/powerpoint/2010/main" val="2150672258"/>
       </p:ext>
     </p:extLst>
   </p:cSld>
@@ -6293,7 +6536,7 @@
           <a:blip r:embed="rId2" cstate="print">
             <a:extLst>
               <a:ext uri="{28A0092B-C50C-407E-A947-70E740481C1C}">
-                <a14:useLocalDpi xmlns:a14="http://schemas.microsoft.com/office/drawing/2010/main" xmlns="" val="0"/>
+                <a14:useLocalDpi xmlns="" xmlns:a14="http://schemas.microsoft.com/office/drawing/2010/main" val="0"/>
               </a:ext>
             </a:extLst>
           </a:blip>
@@ -6774,7 +7017,7 @@
     </p:spTree>
     <p:extLst>
       <p:ext uri="{BB962C8B-B14F-4D97-AF65-F5344CB8AC3E}">
-        <p14:creationId xmlns:p14="http://schemas.microsoft.com/office/powerpoint/2010/main" xmlns="" val="2409351354"/>
+        <p14:creationId xmlns="" xmlns:p14="http://schemas.microsoft.com/office/powerpoint/2010/main" val="2409351354"/>
       </p:ext>
     </p:extLst>
   </p:cSld>
@@ -8977,7 +9220,7 @@
           <a:blip r:embed="rId9" cstate="email">
             <a:extLst>
               <a:ext uri="{28A0092B-C50C-407E-A947-70E740481C1C}">
-                <a14:useLocalDpi xmlns:a14="http://schemas.microsoft.com/office/drawing/2010/main" xmlns=""/>
+                <a14:useLocalDpi xmlns="" xmlns:a14="http://schemas.microsoft.com/office/drawing/2010/main"/>
               </a:ext>
             </a:extLst>
           </a:blip>
@@ -9060,7 +9303,7 @@
           <a:blip r:embed="rId9" cstate="email">
             <a:extLst>
               <a:ext uri="{28A0092B-C50C-407E-A947-70E740481C1C}">
-                <a14:useLocalDpi xmlns:a14="http://schemas.microsoft.com/office/drawing/2010/main" xmlns=""/>
+                <a14:useLocalDpi xmlns="" xmlns:a14="http://schemas.microsoft.com/office/drawing/2010/main"/>
               </a:ext>
             </a:extLst>
           </a:blip>
@@ -9324,7 +9567,7 @@
     </p:spTree>
     <p:extLst>
       <p:ext uri="{BB962C8B-B14F-4D97-AF65-F5344CB8AC3E}">
-        <p14:creationId xmlns:p14="http://schemas.microsoft.com/office/powerpoint/2010/main" xmlns="" val="2289545993"/>
+        <p14:creationId xmlns="" xmlns:p14="http://schemas.microsoft.com/office/powerpoint/2010/main" val="2289545993"/>
       </p:ext>
     </p:extLst>
   </p:cSld>
@@ -13246,36 +13489,60 @@
           </a:bodyPr>
           <a:lstStyle/>
           <a:p>
+            <a:pPr>
+              <a:buNone/>
+            </a:pPr>
             <a:r>
-              <a:rPr lang="en-US" dirty="0">
+              <a:rPr lang="en-US" u="sng" dirty="0">
+                <a:solidFill>
+                  <a:schemeClr val="bg1"/>
+                </a:solidFill>
                 <a:latin typeface="+mn-lt"/>
               </a:rPr>
               <a:t>FSL Devils</a:t>
             </a:r>
           </a:p>
           <a:p>
+            <a:pPr>
+              <a:buNone/>
+            </a:pPr>
             <a:r>
               <a:rPr lang="en-US" dirty="0" err="1">
+                <a:solidFill>
+                  <a:schemeClr val="bg1"/>
+                </a:solidFill>
                 <a:latin typeface="+mn-lt"/>
               </a:rPr>
               <a:t>Vasu</a:t>
             </a:r>
             <a:r>
               <a:rPr lang="en-US" dirty="0">
+                <a:solidFill>
+                  <a:schemeClr val="bg1"/>
+                </a:solidFill>
                 <a:latin typeface="+mn-lt"/>
               </a:rPr>
               <a:t> Gupta (B45802)</a:t>
             </a:r>
           </a:p>
           <a:p>
+            <a:pPr>
+              <a:buNone/>
+            </a:pPr>
             <a:r>
               <a:rPr lang="en-US" dirty="0" err="1">
+                <a:solidFill>
+                  <a:schemeClr val="bg1"/>
+                </a:solidFill>
                 <a:latin typeface="+mn-lt"/>
               </a:rPr>
               <a:t>Anshu</a:t>
             </a:r>
             <a:r>
               <a:rPr lang="en-US" dirty="0">
+                <a:solidFill>
+                  <a:schemeClr val="bg1"/>
+                </a:solidFill>
                 <a:latin typeface="+mn-lt"/>
               </a:rPr>
               <a:t> Singh (B51212) </a:t>
@@ -13291,7 +13558,7 @@
     </p:spTree>
     <p:extLst>
       <p:ext uri="{BB962C8B-B14F-4D97-AF65-F5344CB8AC3E}">
-        <p14:creationId xmlns:p14="http://schemas.microsoft.com/office/powerpoint/2010/main" xmlns="" val="2552802723"/>
+        <p14:creationId xmlns="" xmlns:p14="http://schemas.microsoft.com/office/powerpoint/2010/main" val="2552802723"/>
       </p:ext>
     </p:extLst>
   </p:cSld>
@@ -13301,6 +13568,84 @@
   <p:transition>
     <p:fade/>
   </p:transition>
+  <p:timing>
+    <p:tnLst>
+      <p:par>
+        <p:cTn id="1" dur="indefinite" restart="never" nodeType="tmRoot"/>
+      </p:par>
+    </p:tnLst>
+  </p:timing>
+</p:sld>
+</file>
+
+<file path=ppt/slides/slide10.xml><?xml version="1.0" encoding="utf-8"?>
+<p:sld xmlns:a="http://schemas.openxmlformats.org/drawingml/2006/main" xmlns:r="http://schemas.openxmlformats.org/officeDocument/2006/relationships" xmlns:p="http://schemas.openxmlformats.org/presentationml/2006/main">
+  <p:cSld>
+    <p:spTree>
+      <p:nvGrpSpPr>
+        <p:cNvPr id="1" name=""/>
+        <p:cNvGrpSpPr/>
+        <p:nvPr/>
+      </p:nvGrpSpPr>
+      <p:grpSpPr>
+        <a:xfrm>
+          <a:off x="0" y="0"/>
+          <a:ext cx="0" cy="0"/>
+          <a:chOff x="0" y="0"/>
+          <a:chExt cx="0" cy="0"/>
+        </a:xfrm>
+      </p:grpSpPr>
+      <p:sp>
+        <p:nvSpPr>
+          <p:cNvPr id="2" name="Title 1"/>
+          <p:cNvSpPr>
+            <a:spLocks noGrp="1"/>
+          </p:cNvSpPr>
+          <p:nvPr>
+            <p:ph type="title"/>
+          </p:nvPr>
+        </p:nvSpPr>
+        <p:spPr>
+          <a:xfrm>
+            <a:off x="2920180" y="2028706"/>
+            <a:ext cx="2939846" cy="1550236"/>
+          </a:xfrm>
+        </p:spPr>
+        <p:txBody>
+          <a:bodyPr/>
+          <a:lstStyle/>
+          <a:p>
+            <a:pPr algn="ctr"/>
+            <a:r>
+              <a:rPr lang="en-US" dirty="0" smtClean="0"/>
+              <a:t>Q &amp; A!</a:t>
+            </a:r>
+            <a:br>
+              <a:rPr lang="en-US" dirty="0" smtClean="0"/>
+            </a:br>
+            <a:r>
+              <a:rPr lang="en-US" dirty="0" smtClean="0"/>
+              <a:t>Feedback</a:t>
+            </a:r>
+            <a:endParaRPr lang="en-US" dirty="0"/>
+          </a:p>
+        </p:txBody>
+      </p:sp>
+    </p:spTree>
+  </p:cSld>
+  <p:clrMapOvr>
+    <a:masterClrMapping/>
+  </p:clrMapOvr>
+  <p:transition>
+    <p:fade/>
+  </p:transition>
+  <p:timing>
+    <p:tnLst>
+      <p:par>
+        <p:cTn id="1" dur="indefinite" restart="never" nodeType="tmRoot"/>
+      </p:par>
+    </p:tnLst>
+  </p:timing>
 </p:sld>
 </file>
 
@@ -13337,8 +13682,8 @@
           <a:lstStyle/>
           <a:p>
             <a:r>
-              <a:rPr lang="en-US" dirty="0"/>
-              <a:t>Problem Statement</a:t>
+              <a:rPr lang="en-US" dirty="0" smtClean="0"/>
+              <a:t>FSL Devils</a:t>
             </a:r>
             <a:endParaRPr lang="en-US" dirty="0"/>
           </a:p>
@@ -13356,26 +13701,17 @@
         </p:nvSpPr>
         <p:spPr>
           <a:xfrm>
-            <a:off x="759029" y="1510541"/>
-            <a:ext cx="7402837" cy="3361905"/>
+            <a:off x="824343" y="1547623"/>
+            <a:ext cx="7405257" cy="3653641"/>
           </a:xfrm>
         </p:spPr>
         <p:txBody>
-          <a:bodyPr>
-            <a:normAutofit/>
-          </a:bodyPr>
+          <a:bodyPr/>
           <a:lstStyle/>
           <a:p>
-            <a:pPr marL="0" indent="0">
-              <a:buNone/>
-            </a:pPr>
             <a:r>
               <a:rPr lang="en-US" dirty="0" smtClean="0"/>
-              <a:t>Location</a:t>
-            </a:r>
-            <a:r>
-              <a:rPr lang="en-US" dirty="0" smtClean="0"/>
-              <a:t>, Location, Location -- Which building is Building 20? What is the address of the Tianjin R&amp;D facility? Where the heck is the Toucan conference room??? -- Reduce stress and frustration by helping </a:t>
+              <a:t>We joined </a:t>
             </a:r>
             <a:r>
               <a:rPr lang="en-US" dirty="0" err="1" smtClean="0"/>
@@ -13383,31 +13719,44 @@
             </a:r>
             <a:r>
               <a:rPr lang="en-US" dirty="0" smtClean="0"/>
-              <a:t> employees easily navigate their way through unfamiliar locations. </a:t>
+              <a:t> Semiconductors a month ago after graduating this May from Arizona State University (Computer Science).</a:t>
             </a:r>
-            <a:endParaRPr lang="en-US" sz="1600" dirty="0"/>
+            <a:r>
+              <a:rPr lang="en-US" dirty="0" smtClean="0"/>
+              <a:t> </a:t>
+            </a:r>
           </a:p>
           <a:p>
-            <a:pPr marL="368697" lvl="2" indent="-285750">
-              <a:buClr>
-                <a:schemeClr val="tx1">
-                  <a:lumMod val="85000"/>
-                  <a:lumOff val="15000"/>
-                </a:schemeClr>
-              </a:buClr>
-              <a:buFont typeface="Arial" panose="020B0604020202020204" pitchFamily="34" charset="0"/>
-              <a:buChar char="•"/>
-            </a:pPr>
-            <a:endParaRPr lang="en-US" sz="1600" dirty="0"/>
+            <a:endParaRPr lang="en-US" dirty="0" smtClean="0"/>
+          </a:p>
+          <a:p>
+            <a:r>
+              <a:rPr lang="en-US" dirty="0" err="1" smtClean="0"/>
+              <a:t>Vasu</a:t>
+            </a:r>
+            <a:r>
+              <a:rPr lang="en-US" dirty="0" smtClean="0"/>
+              <a:t> Gupta (B45802)</a:t>
+            </a:r>
+            <a:r>
+              <a:rPr lang="en-US" dirty="0" smtClean="0"/>
+              <a:t> - PDM Business Analyst, IT</a:t>
+            </a:r>
+            <a:endParaRPr lang="en-US" dirty="0" smtClean="0"/>
+          </a:p>
+          <a:p>
+            <a:r>
+              <a:rPr lang="en-US" dirty="0" err="1" smtClean="0"/>
+              <a:t>Anshu</a:t>
+            </a:r>
+            <a:r>
+              <a:rPr lang="en-US" dirty="0" smtClean="0"/>
+              <a:t> Singh (B51212) - Software Developer, CIM  </a:t>
+            </a:r>
           </a:p>
         </p:txBody>
       </p:sp>
     </p:spTree>
-    <p:extLst>
-      <p:ext uri="{BB962C8B-B14F-4D97-AF65-F5344CB8AC3E}">
-        <p14:creationId xmlns:p14="http://schemas.microsoft.com/office/powerpoint/2010/main" xmlns="" val="13256276"/>
-      </p:ext>
-    </p:extLst>
   </p:cSld>
   <p:clrMapOvr>
     <a:masterClrMapping/>
@@ -13415,6 +13764,13 @@
   <p:transition>
     <p:fade/>
   </p:transition>
+  <p:timing>
+    <p:tnLst>
+      <p:par>
+        <p:cTn id="1" dur="indefinite" restart="never" nodeType="tmRoot"/>
+      </p:par>
+    </p:tnLst>
+  </p:timing>
 </p:sld>
 </file>
 
@@ -13445,16 +13801,20 @@
             <p:ph type="title"/>
           </p:nvPr>
         </p:nvSpPr>
-        <p:spPr/>
+        <p:spPr>
+          <a:xfrm>
+            <a:off x="824343" y="288656"/>
+            <a:ext cx="7402837" cy="667250"/>
+          </a:xfrm>
+        </p:spPr>
         <p:txBody>
           <a:bodyPr/>
           <a:lstStyle/>
           <a:p>
             <a:r>
-              <a:rPr lang="en-US" dirty="0" smtClean="0"/>
-              <a:t>Introduction</a:t>
+              <a:rPr lang="en-US" dirty="0"/>
+              <a:t>Problem Statement</a:t>
             </a:r>
-            <a:endParaRPr lang="en-US" dirty="0"/>
           </a:p>
         </p:txBody>
       </p:sp>
@@ -13468,16 +13828,269 @@
             <p:ph type="body" sz="quarter" idx="10"/>
           </p:nvPr>
         </p:nvSpPr>
-        <p:spPr/>
+        <p:spPr>
+          <a:xfrm>
+            <a:off x="759029" y="1255163"/>
+            <a:ext cx="7402837" cy="1537459"/>
+          </a:xfrm>
+        </p:spPr>
         <p:txBody>
-          <a:bodyPr/>
+          <a:bodyPr>
+            <a:normAutofit/>
+          </a:bodyPr>
           <a:lstStyle/>
           <a:p>
-            <a:endParaRPr lang="en-US"/>
+            <a:pPr marL="0" indent="0">
+              <a:buNone/>
+            </a:pPr>
+            <a:r>
+              <a:rPr lang="en-US" dirty="0" smtClean="0"/>
+              <a:t>Location, Location, Location -- Which building is Building 20? What is the address of the Tianjin R&amp;D facility? Where the heck is the Toucan conference room??? -- Reduce stress and frustration by helping </a:t>
+            </a:r>
+            <a:r>
+              <a:rPr lang="en-US" dirty="0" err="1" smtClean="0"/>
+              <a:t>Freescale</a:t>
+            </a:r>
+            <a:r>
+              <a:rPr lang="en-US" dirty="0" smtClean="0"/>
+              <a:t> employees easily navigate their way through unfamiliar locations. </a:t>
+            </a:r>
+            <a:endParaRPr lang="en-US" sz="1600" dirty="0"/>
+          </a:p>
+          <a:p>
+            <a:pPr marL="368697" lvl="2" indent="-285750">
+              <a:buClr>
+                <a:schemeClr val="tx1">
+                  <a:lumMod val="85000"/>
+                  <a:lumOff val="15000"/>
+                </a:schemeClr>
+              </a:buClr>
+              <a:buFont typeface="Arial" panose="020B0604020202020204" pitchFamily="34" charset="0"/>
+              <a:buChar char="•"/>
+            </a:pPr>
+            <a:endParaRPr lang="en-US" sz="1600" dirty="0"/>
+          </a:p>
+        </p:txBody>
+      </p:sp>
+      <p:sp>
+        <p:nvSpPr>
+          <p:cNvPr id="4" name="Title 1"/>
+          <p:cNvSpPr txBox="1">
+            <a:spLocks/>
+          </p:cNvSpPr>
+          <p:nvPr/>
+        </p:nvSpPr>
+        <p:spPr bwMode="auto">
+          <a:xfrm>
+            <a:off x="836697" y="2821838"/>
+            <a:ext cx="7402837" cy="667250"/>
+          </a:xfrm>
+          <a:prstGeom prst="rect">
+            <a:avLst/>
+          </a:prstGeom>
+          <a:noFill/>
+          <a:ln w="9525" algn="ctr">
+            <a:noFill/>
+            <a:miter lim="800000"/>
+            <a:headEnd/>
+            <a:tailEnd/>
+          </a:ln>
+          <a:effectLst/>
+        </p:spPr>
+        <p:txBody>
+          <a:bodyPr vert="horz" wrap="square" lIns="91440" tIns="45720" rIns="91440" bIns="45720" numCol="1" anchor="t" anchorCtr="0" compatLnSpc="1">
+            <a:prstTxWarp prst="textNoShape">
+              <a:avLst/>
+            </a:prstTxWarp>
+          </a:bodyPr>
+          <a:lstStyle/>
+          <a:p>
+            <a:pPr marL="0" marR="0" lvl="0" indent="0" algn="l" defTabSz="914400" rtl="0" eaLnBrk="1" fontAlgn="base" latinLnBrk="0" hangingPunct="1">
+              <a:lnSpc>
+                <a:spcPct val="100000"/>
+              </a:lnSpc>
+              <a:spcBef>
+                <a:spcPct val="0"/>
+              </a:spcBef>
+              <a:spcAft>
+                <a:spcPct val="0"/>
+              </a:spcAft>
+              <a:buClrTx/>
+              <a:buSzTx/>
+              <a:buFontTx/>
+              <a:buNone/>
+              <a:tabLst/>
+              <a:defRPr/>
+            </a:pPr>
+            <a:r>
+              <a:rPr lang="en-US" sz="4000" spc="-90" dirty="0" smtClean="0">
+                <a:solidFill>
+                  <a:schemeClr val="bg1"/>
+                </a:solidFill>
+              </a:rPr>
+              <a:t>Why?</a:t>
+            </a:r>
+            <a:endParaRPr kumimoji="0" lang="en-US" sz="4000" b="0" i="0" u="none" strike="noStrike" kern="1200" cap="none" spc="-90" normalizeH="0" baseline="0" noProof="0" dirty="0">
+              <a:ln>
+                <a:noFill/>
+              </a:ln>
+              <a:solidFill>
+                <a:schemeClr val="bg1"/>
+              </a:solidFill>
+              <a:effectLst/>
+              <a:uLnTx/>
+              <a:uFillTx/>
+              <a:latin typeface="Arial" charset="0"/>
+              <a:ea typeface="+mn-ea"/>
+              <a:cs typeface="+mn-cs"/>
+            </a:endParaRPr>
+          </a:p>
+        </p:txBody>
+      </p:sp>
+      <p:sp>
+        <p:nvSpPr>
+          <p:cNvPr id="5" name="Text Placeholder 2"/>
+          <p:cNvSpPr txBox="1">
+            <a:spLocks/>
+          </p:cNvSpPr>
+          <p:nvPr/>
+        </p:nvSpPr>
+        <p:spPr>
+          <a:xfrm>
+            <a:off x="771383" y="3788345"/>
+            <a:ext cx="7402837" cy="1516823"/>
+          </a:xfrm>
+          <a:prstGeom prst="rect">
+            <a:avLst/>
+          </a:prstGeom>
+        </p:spPr>
+        <p:txBody>
+          <a:bodyPr vert="horz" lIns="91440" tIns="45720" rIns="91440" bIns="45720" rtlCol="0">
+            <a:normAutofit/>
+          </a:bodyPr>
+          <a:lstStyle/>
+          <a:p>
+            <a:pPr marL="368697" marR="0" lvl="2" indent="-285750" algn="l" defTabSz="914400" rtl="0" eaLnBrk="1" fontAlgn="base" latinLnBrk="0" hangingPunct="1">
+              <a:lnSpc>
+                <a:spcPct val="100000"/>
+              </a:lnSpc>
+              <a:spcBef>
+                <a:spcPts val="431"/>
+              </a:spcBef>
+              <a:spcAft>
+                <a:spcPts val="56"/>
+              </a:spcAft>
+              <a:buClr>
+                <a:schemeClr val="tx1">
+                  <a:lumMod val="85000"/>
+                  <a:lumOff val="15000"/>
+                </a:schemeClr>
+              </a:buClr>
+              <a:buSzPct val="80000"/>
+              <a:buFont typeface="Arial" pitchFamily="34" charset="0"/>
+              <a:buChar char="•"/>
+              <a:tabLst/>
+              <a:defRPr/>
+            </a:pPr>
+            <a:r>
+              <a:rPr lang="en-US" sz="1600" kern="0" dirty="0" smtClean="0">
+                <a:solidFill>
+                  <a:schemeClr val="bg1"/>
+                </a:solidFill>
+                <a:latin typeface="+mn-lt"/>
+              </a:rPr>
+              <a:t>Being new to the facility, we get lost all the time, we need a solution .</a:t>
+            </a:r>
+          </a:p>
+          <a:p>
+            <a:pPr marL="368697" marR="0" lvl="2" indent="-285750" algn="l" defTabSz="914400" rtl="0" eaLnBrk="1" fontAlgn="base" latinLnBrk="0" hangingPunct="1">
+              <a:lnSpc>
+                <a:spcPct val="100000"/>
+              </a:lnSpc>
+              <a:spcBef>
+                <a:spcPts val="431"/>
+              </a:spcBef>
+              <a:spcAft>
+                <a:spcPts val="56"/>
+              </a:spcAft>
+              <a:buClr>
+                <a:schemeClr val="tx1">
+                  <a:lumMod val="85000"/>
+                  <a:lumOff val="15000"/>
+                </a:schemeClr>
+              </a:buClr>
+              <a:buSzPct val="80000"/>
+              <a:buFont typeface="Arial" pitchFamily="34" charset="0"/>
+              <a:buChar char="•"/>
+              <a:tabLst/>
+              <a:defRPr/>
+            </a:pPr>
+            <a:r>
+              <a:rPr lang="en-US" sz="1600" kern="0" dirty="0" smtClean="0">
+                <a:solidFill>
+                  <a:schemeClr val="bg1"/>
+                </a:solidFill>
+                <a:latin typeface="+mn-lt"/>
+              </a:rPr>
+              <a:t>This application requires latest technology and we didn’t knew the technology – Great opportunity to learn.</a:t>
+            </a:r>
+          </a:p>
+          <a:p>
+            <a:pPr marL="368697" lvl="2" indent="-285750">
+              <a:spcBef>
+                <a:spcPts val="431"/>
+              </a:spcBef>
+              <a:spcAft>
+                <a:spcPts val="56"/>
+              </a:spcAft>
+              <a:buClr>
+                <a:schemeClr val="tx1">
+                  <a:lumMod val="85000"/>
+                  <a:lumOff val="15000"/>
+                </a:schemeClr>
+              </a:buClr>
+              <a:buSzPct val="80000"/>
+              <a:buFont typeface="Arial" pitchFamily="34" charset="0"/>
+              <a:buChar char="•"/>
+            </a:pPr>
+            <a:r>
+              <a:rPr lang="en-US" sz="1600" kern="0" dirty="0" smtClean="0">
+                <a:solidFill>
+                  <a:schemeClr val="bg1"/>
+                </a:solidFill>
+              </a:rPr>
+              <a:t>The most important – “We </a:t>
+            </a:r>
+            <a:r>
+              <a:rPr lang="en-US" sz="1600" kern="0" dirty="0" smtClean="0">
+                <a:solidFill>
+                  <a:schemeClr val="bg1"/>
+                </a:solidFill>
+              </a:rPr>
+              <a:t>love to </a:t>
+            </a:r>
+            <a:r>
+              <a:rPr lang="en-US" sz="1600" kern="0" dirty="0" smtClean="0">
+                <a:solidFill>
+                  <a:schemeClr val="bg1"/>
+                </a:solidFill>
+              </a:rPr>
+              <a:t>code”. </a:t>
+            </a:r>
+            <a:endParaRPr lang="en-US" sz="1600" kern="0" dirty="0" smtClean="0">
+              <a:solidFill>
+                <a:schemeClr val="bg1"/>
+              </a:solidFill>
+            </a:endParaRPr>
           </a:p>
         </p:txBody>
       </p:sp>
     </p:spTree>
+    <p:extLst>
+      <p:ext uri="{BB962C8B-B14F-4D97-AF65-F5344CB8AC3E}">
+        <p14:creationId xmlns="" xmlns:p14="http://schemas.microsoft.com/office/powerpoint/2010/main" val="13256276"/>
+      </p:ext>
+    </p:extLst>
   </p:cSld>
   <p:clrMapOvr>
     <a:masterClrMapping/>
@@ -13485,6 +14098,13 @@
   <p:transition>
     <p:fade/>
   </p:transition>
+  <p:timing>
+    <p:tnLst>
+      <p:par>
+        <p:cTn id="1" dur="indefinite" restart="never" nodeType="tmRoot"/>
+      </p:par>
+    </p:tnLst>
+  </p:timing>
 </p:sld>
 </file>
 
@@ -13515,35 +14135,21 @@
             <p:ph type="title"/>
           </p:nvPr>
         </p:nvSpPr>
-        <p:spPr/>
+        <p:spPr>
+          <a:xfrm>
+            <a:off x="436605" y="544033"/>
+            <a:ext cx="8089557" cy="1457761"/>
+          </a:xfrm>
+        </p:spPr>
         <p:txBody>
           <a:bodyPr/>
           <a:lstStyle/>
           <a:p>
             <a:r>
-              <a:rPr lang="en-US" dirty="0" smtClean="0"/>
-              <a:t>Approach to Solve</a:t>
+              <a:rPr lang="en-US" sz="3600" dirty="0" smtClean="0"/>
+              <a:t>Let’s show you what we Hacked - Demo</a:t>
             </a:r>
-            <a:endParaRPr lang="en-US" dirty="0"/>
-          </a:p>
-        </p:txBody>
-      </p:sp>
-      <p:sp>
-        <p:nvSpPr>
-          <p:cNvPr id="3" name="Text Placeholder 2"/>
-          <p:cNvSpPr>
-            <a:spLocks noGrp="1"/>
-          </p:cNvSpPr>
-          <p:nvPr>
-            <p:ph type="body" sz="quarter" idx="10"/>
-          </p:nvPr>
-        </p:nvSpPr>
-        <p:spPr/>
-        <p:txBody>
-          <a:bodyPr/>
-          <a:lstStyle/>
-          <a:p>
-            <a:endParaRPr lang="en-US"/>
+            <a:endParaRPr lang="en-US" sz="3600" dirty="0"/>
           </a:p>
         </p:txBody>
       </p:sp>
@@ -13555,6 +14161,13 @@
   <p:transition>
     <p:fade/>
   </p:transition>
+  <p:timing>
+    <p:tnLst>
+      <p:par>
+        <p:cTn id="1" dur="indefinite" restart="never" nodeType="tmRoot"/>
+      </p:par>
+    </p:tnLst>
+  </p:timing>
 </p:sld>
 </file>
 
@@ -13592,7 +14205,7 @@
           <a:p>
             <a:r>
               <a:rPr lang="en-US" dirty="0" smtClean="0"/>
-              <a:t>Demo</a:t>
+              <a:t>Technical Stuff!</a:t>
             </a:r>
             <a:endParaRPr lang="en-US" dirty="0"/>
           </a:p>
@@ -13608,12 +14221,36 @@
             <p:ph type="body" sz="quarter" idx="10"/>
           </p:nvPr>
         </p:nvSpPr>
-        <p:spPr/>
+        <p:spPr>
+          <a:xfrm>
+            <a:off x="816105" y="1371440"/>
+            <a:ext cx="7402837" cy="1460250"/>
+          </a:xfrm>
+        </p:spPr>
         <p:txBody>
-          <a:bodyPr/>
+          <a:bodyPr>
+            <a:normAutofit/>
+          </a:bodyPr>
           <a:lstStyle/>
           <a:p>
-            <a:endParaRPr lang="en-US"/>
+            <a:r>
+              <a:rPr lang="en-US" dirty="0" smtClean="0"/>
+              <a:t>HTML5, JavaScript and CSS3. That’s it!</a:t>
+            </a:r>
+          </a:p>
+          <a:p>
+            <a:endParaRPr lang="en-US" dirty="0" smtClean="0"/>
+          </a:p>
+          <a:p>
+            <a:r>
+              <a:rPr lang="en-US" b="1" dirty="0" smtClean="0"/>
+              <a:t>Why? </a:t>
+            </a:r>
+            <a:r>
+              <a:rPr lang="en-US" dirty="0" smtClean="0"/>
+              <a:t>Works on most browsers, platforms and devices.</a:t>
+            </a:r>
+            <a:endParaRPr lang="en-US" dirty="0"/>
           </a:p>
         </p:txBody>
       </p:sp>
@@ -13625,10 +14262,2356 @@
   <p:transition>
     <p:fade/>
   </p:transition>
+  <p:timing>
+    <p:tnLst>
+      <p:par>
+        <p:cTn id="1" dur="indefinite" restart="never" nodeType="tmRoot"/>
+      </p:par>
+    </p:tnLst>
+  </p:timing>
 </p:sld>
 </file>
 
 <file path=ppt/slides/slide6.xml><?xml version="1.0" encoding="utf-8"?>
+<p:sld xmlns:a="http://schemas.openxmlformats.org/drawingml/2006/main" xmlns:r="http://schemas.openxmlformats.org/officeDocument/2006/relationships" xmlns:p="http://schemas.openxmlformats.org/presentationml/2006/main">
+  <p:cSld>
+    <p:spTree>
+      <p:nvGrpSpPr>
+        <p:cNvPr id="1" name=""/>
+        <p:cNvGrpSpPr/>
+        <p:nvPr/>
+      </p:nvGrpSpPr>
+      <p:grpSpPr>
+        <a:xfrm>
+          <a:off x="0" y="0"/>
+          <a:ext cx="0" cy="0"/>
+          <a:chOff x="0" y="0"/>
+          <a:chExt cx="0" cy="0"/>
+        </a:xfrm>
+      </p:grpSpPr>
+      <p:sp>
+        <p:nvSpPr>
+          <p:cNvPr id="3" name="Text Placeholder 2"/>
+          <p:cNvSpPr>
+            <a:spLocks noGrp="1"/>
+          </p:cNvSpPr>
+          <p:nvPr>
+            <p:ph type="body" sz="quarter" idx="10"/>
+          </p:nvPr>
+        </p:nvSpPr>
+        <p:spPr>
+          <a:xfrm>
+            <a:off x="378940" y="4262921"/>
+            <a:ext cx="3885840" cy="720971"/>
+          </a:xfrm>
+        </p:spPr>
+        <p:txBody>
+          <a:bodyPr/>
+          <a:lstStyle/>
+          <a:p>
+            <a:r>
+              <a:rPr lang="en-US" dirty="0" smtClean="0"/>
+              <a:t>Didn’t I just cross the cafeteria !! </a:t>
+            </a:r>
+          </a:p>
+          <a:p>
+            <a:endParaRPr lang="en-US" dirty="0"/>
+          </a:p>
+        </p:txBody>
+      </p:sp>
+      <p:sp>
+        <p:nvSpPr>
+          <p:cNvPr id="4" name="Title 1"/>
+          <p:cNvSpPr>
+            <a:spLocks noGrp="1"/>
+          </p:cNvSpPr>
+          <p:nvPr>
+            <p:ph type="title"/>
+          </p:nvPr>
+        </p:nvSpPr>
+        <p:spPr>
+          <a:xfrm>
+            <a:off x="445402" y="206283"/>
+            <a:ext cx="7402837" cy="667250"/>
+          </a:xfrm>
+        </p:spPr>
+        <p:txBody>
+          <a:bodyPr/>
+          <a:lstStyle/>
+          <a:p>
+            <a:r>
+              <a:rPr lang="en-US" dirty="0" smtClean="0"/>
+              <a:t>Scenario 1 – Help – I am Lost!!</a:t>
+            </a:r>
+            <a:endParaRPr lang="en-US" dirty="0"/>
+          </a:p>
+        </p:txBody>
+      </p:sp>
+      <p:pic>
+        <p:nvPicPr>
+          <p:cNvPr id="2050" name="Picture 2" descr="C:\Users\B45802\Documents\tmp\the_wrong_path.jpg"/>
+          <p:cNvPicPr>
+            <a:picLocks noChangeAspect="1" noChangeArrowheads="1"/>
+          </p:cNvPicPr>
+          <p:nvPr/>
+        </p:nvPicPr>
+        <p:blipFill>
+          <a:blip r:embed="rId2" cstate="print"/>
+          <a:srcRect/>
+          <a:stretch>
+            <a:fillRect/>
+          </a:stretch>
+        </p:blipFill>
+        <p:spPr bwMode="auto">
+          <a:xfrm>
+            <a:off x="378941" y="1296071"/>
+            <a:ext cx="3860814" cy="2575713"/>
+          </a:xfrm>
+          <a:prstGeom prst="rect">
+            <a:avLst/>
+          </a:prstGeom>
+          <a:noFill/>
+        </p:spPr>
+      </p:pic>
+      <p:sp>
+        <p:nvSpPr>
+          <p:cNvPr id="6" name="TextBox 5"/>
+          <p:cNvSpPr txBox="1"/>
+          <p:nvPr/>
+        </p:nvSpPr>
+        <p:spPr>
+          <a:xfrm>
+            <a:off x="4596714" y="1285103"/>
+            <a:ext cx="4061254" cy="2990335"/>
+          </a:xfrm>
+          <a:prstGeom prst="rect">
+            <a:avLst/>
+          </a:prstGeom>
+          <a:noFill/>
+        </p:spPr>
+        <p:txBody>
+          <a:bodyPr wrap="square" lIns="91440" tIns="45720" rIns="91440" rtlCol="0" anchor="t">
+            <a:noAutofit/>
+          </a:bodyPr>
+          <a:lstStyle/>
+          <a:p>
+            <a:pPr>
+              <a:lnSpc>
+                <a:spcPct val="150000"/>
+              </a:lnSpc>
+              <a:buFont typeface="Arial" pitchFamily="34" charset="0"/>
+              <a:buChar char="•"/>
+            </a:pPr>
+            <a:r>
+              <a:rPr lang="en-US" sz="1500" dirty="0" smtClean="0">
+                <a:solidFill>
+                  <a:schemeClr val="bg1"/>
+                </a:solidFill>
+              </a:rPr>
+              <a:t>Find a place and see it on map</a:t>
+            </a:r>
+          </a:p>
+          <a:p>
+            <a:pPr>
+              <a:lnSpc>
+                <a:spcPct val="150000"/>
+              </a:lnSpc>
+              <a:buFont typeface="Arial" pitchFamily="34" charset="0"/>
+              <a:buChar char="•"/>
+            </a:pPr>
+            <a:r>
+              <a:rPr lang="en-US" sz="1500" dirty="0" smtClean="0">
+                <a:solidFill>
+                  <a:schemeClr val="bg1"/>
+                </a:solidFill>
+              </a:rPr>
+              <a:t>Find your location</a:t>
+            </a:r>
+          </a:p>
+          <a:p>
+            <a:pPr>
+              <a:lnSpc>
+                <a:spcPct val="150000"/>
+              </a:lnSpc>
+              <a:buFont typeface="Arial" pitchFamily="34" charset="0"/>
+              <a:buChar char="•"/>
+            </a:pPr>
+            <a:r>
+              <a:rPr lang="en-US" sz="1500" dirty="0" smtClean="0">
+                <a:solidFill>
+                  <a:schemeClr val="bg1"/>
+                </a:solidFill>
+              </a:rPr>
+              <a:t>Find guided navigation to where you want to be.</a:t>
+            </a:r>
+            <a:endParaRPr lang="en-US" sz="1500" dirty="0" smtClean="0">
+              <a:solidFill>
+                <a:schemeClr val="bg1"/>
+              </a:solidFill>
+            </a:endParaRPr>
+          </a:p>
+        </p:txBody>
+      </p:sp>
+    </p:spTree>
+  </p:cSld>
+  <p:clrMapOvr>
+    <a:masterClrMapping/>
+  </p:clrMapOvr>
+  <p:transition>
+    <p:fade/>
+  </p:transition>
+  <p:timing>
+    <p:tnLst>
+      <p:par>
+        <p:cTn id="1" dur="indefinite" restart="never" nodeType="tmRoot"/>
+      </p:par>
+    </p:tnLst>
+  </p:timing>
+</p:sld>
+</file>
+
+<file path=ppt/slides/slide7.xml><?xml version="1.0" encoding="utf-8"?>
+<p:sld xmlns:a="http://schemas.openxmlformats.org/drawingml/2006/main" xmlns:r="http://schemas.openxmlformats.org/officeDocument/2006/relationships" xmlns:p="http://schemas.openxmlformats.org/presentationml/2006/main">
+  <p:cSld>
+    <p:spTree>
+      <p:nvGrpSpPr>
+        <p:cNvPr id="1" name=""/>
+        <p:cNvGrpSpPr/>
+        <p:nvPr/>
+      </p:nvGrpSpPr>
+      <p:grpSpPr>
+        <a:xfrm>
+          <a:off x="0" y="0"/>
+          <a:ext cx="0" cy="0"/>
+          <a:chOff x="0" y="0"/>
+          <a:chExt cx="0" cy="0"/>
+        </a:xfrm>
+      </p:grpSpPr>
+      <p:sp>
+        <p:nvSpPr>
+          <p:cNvPr id="2" name="Title 1"/>
+          <p:cNvSpPr>
+            <a:spLocks noGrp="1"/>
+          </p:cNvSpPr>
+          <p:nvPr>
+            <p:ph type="title"/>
+          </p:nvPr>
+        </p:nvSpPr>
+        <p:spPr>
+          <a:xfrm>
+            <a:off x="445402" y="206283"/>
+            <a:ext cx="8327895" cy="667250"/>
+          </a:xfrm>
+        </p:spPr>
+        <p:txBody>
+          <a:bodyPr/>
+          <a:lstStyle/>
+          <a:p>
+            <a:r>
+              <a:rPr lang="en-US" dirty="0" smtClean="0"/>
+              <a:t>Scenario 2 – Setting up a meeting</a:t>
+            </a:r>
+            <a:endParaRPr lang="en-US" dirty="0"/>
+          </a:p>
+        </p:txBody>
+      </p:sp>
+      <p:pic>
+        <p:nvPicPr>
+          <p:cNvPr id="1026" name="Picture 2" descr="C:\Users\B45802\Documents\tmp\cartoon_clouds.gif"/>
+          <p:cNvPicPr>
+            <a:picLocks noChangeAspect="1" noChangeArrowheads="1"/>
+          </p:cNvPicPr>
+          <p:nvPr/>
+        </p:nvPicPr>
+        <p:blipFill>
+          <a:blip r:embed="rId2" cstate="print"/>
+          <a:srcRect/>
+          <a:stretch>
+            <a:fillRect/>
+          </a:stretch>
+        </p:blipFill>
+        <p:spPr bwMode="auto">
+          <a:xfrm>
+            <a:off x="3657600" y="929486"/>
+            <a:ext cx="1683607" cy="1291109"/>
+          </a:xfrm>
+          <a:prstGeom prst="rect">
+            <a:avLst/>
+          </a:prstGeom>
+          <a:noFill/>
+        </p:spPr>
+      </p:pic>
+      <p:sp>
+        <p:nvSpPr>
+          <p:cNvPr id="5" name="TextBox 4"/>
+          <p:cNvSpPr txBox="1"/>
+          <p:nvPr/>
+        </p:nvSpPr>
+        <p:spPr>
+          <a:xfrm>
+            <a:off x="4151870" y="1433368"/>
+            <a:ext cx="807308" cy="329513"/>
+          </a:xfrm>
+          <a:prstGeom prst="rect">
+            <a:avLst/>
+          </a:prstGeom>
+          <a:noFill/>
+        </p:spPr>
+        <p:txBody>
+          <a:bodyPr wrap="square" lIns="91440" tIns="45720" rIns="91440" rtlCol="0" anchor="t">
+            <a:noAutofit/>
+          </a:bodyPr>
+          <a:lstStyle/>
+          <a:p>
+            <a:r>
+              <a:rPr lang="en-US" sz="1500" dirty="0" smtClean="0">
+                <a:solidFill>
+                  <a:schemeClr val="accent4">
+                    <a:lumMod val="50000"/>
+                  </a:schemeClr>
+                </a:solidFill>
+              </a:rPr>
+              <a:t>Cloud</a:t>
+            </a:r>
+            <a:endParaRPr lang="en-US" sz="1500" dirty="0" smtClean="0">
+              <a:solidFill>
+                <a:schemeClr val="accent4">
+                  <a:lumMod val="50000"/>
+                </a:schemeClr>
+              </a:solidFill>
+            </a:endParaRPr>
+          </a:p>
+        </p:txBody>
+      </p:sp>
+      <p:pic>
+        <p:nvPicPr>
+          <p:cNvPr id="1027" name="Picture 3" descr="C:\Users\B45802\Documents\tmp\him_student_computer2.jpg"/>
+          <p:cNvPicPr>
+            <a:picLocks noChangeAspect="1" noChangeArrowheads="1"/>
+          </p:cNvPicPr>
+          <p:nvPr/>
+        </p:nvPicPr>
+        <p:blipFill>
+          <a:blip r:embed="rId3" cstate="print"/>
+          <a:srcRect/>
+          <a:stretch>
+            <a:fillRect/>
+          </a:stretch>
+        </p:blipFill>
+        <p:spPr bwMode="auto">
+          <a:xfrm>
+            <a:off x="214175" y="2280279"/>
+            <a:ext cx="1624227" cy="1136959"/>
+          </a:xfrm>
+          <a:prstGeom prst="rect">
+            <a:avLst/>
+          </a:prstGeom>
+          <a:noFill/>
+        </p:spPr>
+      </p:pic>
+      <p:sp>
+        <p:nvSpPr>
+          <p:cNvPr id="7" name="TextBox 6"/>
+          <p:cNvSpPr txBox="1"/>
+          <p:nvPr/>
+        </p:nvSpPr>
+        <p:spPr>
+          <a:xfrm>
+            <a:off x="255366" y="3566979"/>
+            <a:ext cx="1738183" cy="741410"/>
+          </a:xfrm>
+          <a:prstGeom prst="rect">
+            <a:avLst/>
+          </a:prstGeom>
+          <a:noFill/>
+        </p:spPr>
+        <p:txBody>
+          <a:bodyPr wrap="square" lIns="91440" tIns="45720" rIns="91440" rtlCol="0" anchor="t">
+            <a:noAutofit/>
+          </a:bodyPr>
+          <a:lstStyle/>
+          <a:p>
+            <a:r>
+              <a:rPr lang="en-US" sz="1500" dirty="0" smtClean="0">
+                <a:solidFill>
+                  <a:schemeClr val="bg1"/>
+                </a:solidFill>
+              </a:rPr>
+              <a:t>M</a:t>
+            </a:r>
+            <a:r>
+              <a:rPr lang="en-US" sz="1500" dirty="0" smtClean="0">
+                <a:solidFill>
+                  <a:schemeClr val="bg1"/>
+                </a:solidFill>
+              </a:rPr>
+              <a:t>eeting invite in a conference room by an employee on the application.</a:t>
+            </a:r>
+            <a:endParaRPr lang="en-US" sz="1500" dirty="0" smtClean="0">
+              <a:solidFill>
+                <a:schemeClr val="bg1"/>
+              </a:solidFill>
+            </a:endParaRPr>
+          </a:p>
+        </p:txBody>
+      </p:sp>
+      <p:pic>
+        <p:nvPicPr>
+          <p:cNvPr id="1028" name="Picture 4" descr="C:\Users\B45802\Documents\tmp\weather-alert.jpg"/>
+          <p:cNvPicPr>
+            <a:picLocks noChangeAspect="1" noChangeArrowheads="1"/>
+          </p:cNvPicPr>
+          <p:nvPr/>
+        </p:nvPicPr>
+        <p:blipFill>
+          <a:blip r:embed="rId4" cstate="print"/>
+          <a:srcRect/>
+          <a:stretch>
+            <a:fillRect/>
+          </a:stretch>
+        </p:blipFill>
+        <p:spPr bwMode="auto">
+          <a:xfrm>
+            <a:off x="6205753" y="4662615"/>
+            <a:ext cx="834770" cy="626077"/>
+          </a:xfrm>
+          <a:prstGeom prst="rect">
+            <a:avLst/>
+          </a:prstGeom>
+          <a:noFill/>
+        </p:spPr>
+      </p:pic>
+      <p:pic>
+        <p:nvPicPr>
+          <p:cNvPr id="1029" name="Picture 5" descr="C:\Users\B45802\Documents\tmp\phone4_0_0.jpg"/>
+          <p:cNvPicPr>
+            <a:picLocks noChangeAspect="1" noChangeArrowheads="1"/>
+          </p:cNvPicPr>
+          <p:nvPr/>
+        </p:nvPicPr>
+        <p:blipFill>
+          <a:blip r:embed="rId5" cstate="print"/>
+          <a:srcRect/>
+          <a:stretch>
+            <a:fillRect/>
+          </a:stretch>
+        </p:blipFill>
+        <p:spPr bwMode="auto">
+          <a:xfrm>
+            <a:off x="7076303" y="3763326"/>
+            <a:ext cx="1145360" cy="644598"/>
+          </a:xfrm>
+          <a:prstGeom prst="rect">
+            <a:avLst/>
+          </a:prstGeom>
+          <a:noFill/>
+        </p:spPr>
+      </p:pic>
+      <p:cxnSp>
+        <p:nvCxnSpPr>
+          <p:cNvPr id="11" name="Straight Arrow Connector 10"/>
+          <p:cNvCxnSpPr/>
+          <p:nvPr/>
+        </p:nvCxnSpPr>
+        <p:spPr>
+          <a:xfrm flipV="1">
+            <a:off x="1499286" y="1491049"/>
+            <a:ext cx="1738184" cy="576636"/>
+          </a:xfrm>
+          <a:prstGeom prst="straightConnector1">
+            <a:avLst/>
+          </a:prstGeom>
+          <a:ln>
+            <a:tailEnd type="arrow"/>
+          </a:ln>
+        </p:spPr>
+        <p:style>
+          <a:lnRef idx="2">
+            <a:schemeClr val="accent2"/>
+          </a:lnRef>
+          <a:fillRef idx="0">
+            <a:schemeClr val="accent2"/>
+          </a:fillRef>
+          <a:effectRef idx="1">
+            <a:schemeClr val="accent2"/>
+          </a:effectRef>
+          <a:fontRef idx="minor">
+            <a:schemeClr val="tx1"/>
+          </a:fontRef>
+        </p:style>
+      </p:cxnSp>
+      <p:cxnSp>
+        <p:nvCxnSpPr>
+          <p:cNvPr id="13" name="Straight Arrow Connector 12"/>
+          <p:cNvCxnSpPr/>
+          <p:nvPr/>
+        </p:nvCxnSpPr>
+        <p:spPr>
+          <a:xfrm flipH="1">
+            <a:off x="4193059" y="2356021"/>
+            <a:ext cx="370704" cy="1293341"/>
+          </a:xfrm>
+          <a:prstGeom prst="straightConnector1">
+            <a:avLst/>
+          </a:prstGeom>
+          <a:ln>
+            <a:tailEnd type="arrow"/>
+          </a:ln>
+        </p:spPr>
+        <p:style>
+          <a:lnRef idx="2">
+            <a:schemeClr val="accent3"/>
+          </a:lnRef>
+          <a:fillRef idx="0">
+            <a:schemeClr val="accent3"/>
+          </a:fillRef>
+          <a:effectRef idx="1">
+            <a:schemeClr val="accent3"/>
+          </a:effectRef>
+          <a:fontRef idx="minor">
+            <a:schemeClr val="tx1"/>
+          </a:fontRef>
+        </p:style>
+      </p:cxnSp>
+      <p:cxnSp>
+        <p:nvCxnSpPr>
+          <p:cNvPr id="15" name="Straight Arrow Connector 14"/>
+          <p:cNvCxnSpPr/>
+          <p:nvPr/>
+        </p:nvCxnSpPr>
+        <p:spPr>
+          <a:xfrm>
+            <a:off x="5148648" y="2388973"/>
+            <a:ext cx="1128584" cy="1985319"/>
+          </a:xfrm>
+          <a:prstGeom prst="straightConnector1">
+            <a:avLst/>
+          </a:prstGeom>
+          <a:ln>
+            <a:tailEnd type="arrow"/>
+          </a:ln>
+        </p:spPr>
+        <p:style>
+          <a:lnRef idx="2">
+            <a:schemeClr val="accent3"/>
+          </a:lnRef>
+          <a:fillRef idx="0">
+            <a:schemeClr val="accent3"/>
+          </a:fillRef>
+          <a:effectRef idx="1">
+            <a:schemeClr val="accent3"/>
+          </a:effectRef>
+          <a:fontRef idx="minor">
+            <a:schemeClr val="tx1"/>
+          </a:fontRef>
+        </p:style>
+      </p:cxnSp>
+      <p:pic>
+        <p:nvPicPr>
+          <p:cNvPr id="1030" name="Picture 6" descr="C:\Users\B45802\Documents\tmp\download.jpg"/>
+          <p:cNvPicPr>
+            <a:picLocks noChangeAspect="1" noChangeArrowheads="1"/>
+          </p:cNvPicPr>
+          <p:nvPr/>
+        </p:nvPicPr>
+        <p:blipFill>
+          <a:blip r:embed="rId6" cstate="print"/>
+          <a:srcRect/>
+          <a:stretch>
+            <a:fillRect/>
+          </a:stretch>
+        </p:blipFill>
+        <p:spPr bwMode="auto">
+          <a:xfrm>
+            <a:off x="7208110" y="2127726"/>
+            <a:ext cx="1075553" cy="726858"/>
+          </a:xfrm>
+          <a:prstGeom prst="rect">
+            <a:avLst/>
+          </a:prstGeom>
+          <a:noFill/>
+        </p:spPr>
+      </p:pic>
+      <p:cxnSp>
+        <p:nvCxnSpPr>
+          <p:cNvPr id="20" name="Straight Arrow Connector 19"/>
+          <p:cNvCxnSpPr/>
+          <p:nvPr/>
+        </p:nvCxnSpPr>
+        <p:spPr>
+          <a:xfrm>
+            <a:off x="5432853" y="2195381"/>
+            <a:ext cx="1511644" cy="1528122"/>
+          </a:xfrm>
+          <a:prstGeom prst="straightConnector1">
+            <a:avLst/>
+          </a:prstGeom>
+          <a:ln>
+            <a:tailEnd type="arrow"/>
+          </a:ln>
+        </p:spPr>
+        <p:style>
+          <a:lnRef idx="2">
+            <a:schemeClr val="accent3"/>
+          </a:lnRef>
+          <a:fillRef idx="0">
+            <a:schemeClr val="accent3"/>
+          </a:fillRef>
+          <a:effectRef idx="1">
+            <a:schemeClr val="accent3"/>
+          </a:effectRef>
+          <a:fontRef idx="minor">
+            <a:schemeClr val="tx1"/>
+          </a:fontRef>
+        </p:style>
+      </p:cxnSp>
+      <p:sp>
+        <p:nvSpPr>
+          <p:cNvPr id="22" name="TextBox 21"/>
+          <p:cNvSpPr txBox="1"/>
+          <p:nvPr/>
+        </p:nvSpPr>
+        <p:spPr>
+          <a:xfrm>
+            <a:off x="5535827" y="963827"/>
+            <a:ext cx="3484605" cy="1046205"/>
+          </a:xfrm>
+          <a:prstGeom prst="rect">
+            <a:avLst/>
+          </a:prstGeom>
+          <a:noFill/>
+        </p:spPr>
+        <p:txBody>
+          <a:bodyPr wrap="square" lIns="91440" tIns="45720" rIns="91440" rtlCol="0" anchor="t">
+            <a:noAutofit/>
+          </a:bodyPr>
+          <a:lstStyle/>
+          <a:p>
+            <a:pPr>
+              <a:buFont typeface="Arial" pitchFamily="34" charset="0"/>
+              <a:buChar char="•"/>
+            </a:pPr>
+            <a:r>
+              <a:rPr lang="en-US" sz="1300" dirty="0" smtClean="0">
+                <a:solidFill>
+                  <a:schemeClr val="bg1"/>
+                </a:solidFill>
+              </a:rPr>
+              <a:t>Receives meeting request.</a:t>
+            </a:r>
+          </a:p>
+          <a:p>
+            <a:pPr>
+              <a:buFont typeface="Arial" pitchFamily="34" charset="0"/>
+              <a:buChar char="•"/>
+            </a:pPr>
+            <a:r>
+              <a:rPr lang="en-US" sz="1300" dirty="0" smtClean="0">
+                <a:solidFill>
+                  <a:schemeClr val="bg1"/>
+                </a:solidFill>
+              </a:rPr>
+              <a:t>Calculates navigation path for each employee based on their location.</a:t>
+            </a:r>
+          </a:p>
+          <a:p>
+            <a:pPr>
+              <a:buFont typeface="Arial" pitchFamily="34" charset="0"/>
+              <a:buChar char="•"/>
+            </a:pPr>
+            <a:r>
+              <a:rPr lang="en-US" sz="1300" dirty="0" smtClean="0">
+                <a:solidFill>
+                  <a:schemeClr val="bg1"/>
+                </a:solidFill>
+              </a:rPr>
+              <a:t>Sends it to their mobile as an alert and an email.</a:t>
+            </a:r>
+            <a:endParaRPr lang="en-US" sz="1300" dirty="0" smtClean="0">
+              <a:solidFill>
+                <a:schemeClr val="bg1"/>
+              </a:solidFill>
+            </a:endParaRPr>
+          </a:p>
+        </p:txBody>
+      </p:sp>
+      <p:pic>
+        <p:nvPicPr>
+          <p:cNvPr id="1031" name="Picture 7" descr="C:\Users\B45802\Documents\tmp\unnamed.png"/>
+          <p:cNvPicPr>
+            <a:picLocks noChangeAspect="1" noChangeArrowheads="1"/>
+          </p:cNvPicPr>
+          <p:nvPr/>
+        </p:nvPicPr>
+        <p:blipFill>
+          <a:blip r:embed="rId7" cstate="print"/>
+          <a:srcRect/>
+          <a:stretch>
+            <a:fillRect/>
+          </a:stretch>
+        </p:blipFill>
+        <p:spPr bwMode="auto">
+          <a:xfrm>
+            <a:off x="2330492" y="3484605"/>
+            <a:ext cx="1832619" cy="1832619"/>
+          </a:xfrm>
+          <a:prstGeom prst="rect">
+            <a:avLst/>
+          </a:prstGeom>
+          <a:noFill/>
+        </p:spPr>
+      </p:pic>
+      <p:cxnSp>
+        <p:nvCxnSpPr>
+          <p:cNvPr id="27" name="Straight Arrow Connector 26"/>
+          <p:cNvCxnSpPr/>
+          <p:nvPr/>
+        </p:nvCxnSpPr>
+        <p:spPr>
+          <a:xfrm>
+            <a:off x="5568777" y="2084170"/>
+            <a:ext cx="1515763" cy="461322"/>
+          </a:xfrm>
+          <a:prstGeom prst="straightConnector1">
+            <a:avLst/>
+          </a:prstGeom>
+          <a:ln>
+            <a:tailEnd type="arrow"/>
+          </a:ln>
+        </p:spPr>
+        <p:style>
+          <a:lnRef idx="2">
+            <a:schemeClr val="accent3"/>
+          </a:lnRef>
+          <a:fillRef idx="0">
+            <a:schemeClr val="accent3"/>
+          </a:fillRef>
+          <a:effectRef idx="1">
+            <a:schemeClr val="accent3"/>
+          </a:effectRef>
+          <a:fontRef idx="minor">
+            <a:schemeClr val="tx1"/>
+          </a:fontRef>
+        </p:style>
+      </p:cxnSp>
+      <p:sp>
+        <p:nvSpPr>
+          <p:cNvPr id="29" name="TextBox 28"/>
+          <p:cNvSpPr txBox="1"/>
+          <p:nvPr/>
+        </p:nvSpPr>
+        <p:spPr>
+          <a:xfrm>
+            <a:off x="4341341" y="4135395"/>
+            <a:ext cx="1622854" cy="1491048"/>
+          </a:xfrm>
+          <a:prstGeom prst="rect">
+            <a:avLst/>
+          </a:prstGeom>
+          <a:noFill/>
+        </p:spPr>
+        <p:txBody>
+          <a:bodyPr wrap="square" lIns="91440" tIns="45720" rIns="91440" rtlCol="0" anchor="t">
+            <a:noAutofit/>
+          </a:bodyPr>
+          <a:lstStyle/>
+          <a:p>
+            <a:r>
+              <a:rPr lang="en-US" sz="1500" dirty="0" smtClean="0">
+                <a:solidFill>
+                  <a:schemeClr val="bg1"/>
+                </a:solidFill>
+              </a:rPr>
+              <a:t>Save it on the conference room calendar and notify admin for approval.</a:t>
+            </a:r>
+            <a:endParaRPr lang="en-US" sz="1500" dirty="0" smtClean="0">
+              <a:solidFill>
+                <a:schemeClr val="bg1"/>
+              </a:solidFill>
+            </a:endParaRPr>
+          </a:p>
+        </p:txBody>
+      </p:sp>
+    </p:spTree>
+  </p:cSld>
+  <p:clrMapOvr>
+    <a:masterClrMapping/>
+  </p:clrMapOvr>
+  <p:transition>
+    <p:fade/>
+  </p:transition>
+  <p:timing>
+    <p:tnLst>
+      <p:par>
+        <p:cTn id="1" dur="indefinite" restart="never" nodeType="tmRoot">
+          <p:childTnLst>
+            <p:seq concurrent="1" nextAc="seek">
+              <p:cTn id="2" dur="indefinite" nodeType="mainSeq">
+                <p:childTnLst>
+                  <p:par>
+                    <p:cTn id="3" fill="hold">
+                      <p:stCondLst>
+                        <p:cond delay="indefinite"/>
+                      </p:stCondLst>
+                      <p:childTnLst>
+                        <p:par>
+                          <p:cTn id="4" fill="hold">
+                            <p:stCondLst>
+                              <p:cond delay="0"/>
+                            </p:stCondLst>
+                            <p:childTnLst>
+                              <p:par>
+                                <p:cTn id="5" presetID="1" presetClass="entr" presetSubtype="0" fill="hold" nodeType="clickEffect">
+                                  <p:stCondLst>
+                                    <p:cond delay="0"/>
+                                  </p:stCondLst>
+                                  <p:childTnLst>
+                                    <p:set>
+                                      <p:cBhvr>
+                                        <p:cTn id="6" dur="1" fill="hold">
+                                          <p:stCondLst>
+                                            <p:cond delay="0"/>
+                                          </p:stCondLst>
+                                        </p:cTn>
+                                        <p:tgtEl>
+                                          <p:spTgt spid="1027"/>
+                                        </p:tgtEl>
+                                        <p:attrNameLst>
+                                          <p:attrName>style.visibility</p:attrName>
+                                        </p:attrNameLst>
+                                      </p:cBhvr>
+                                      <p:to>
+                                        <p:strVal val="visible"/>
+                                      </p:to>
+                                    </p:set>
+                                  </p:childTnLst>
+                                </p:cTn>
+                              </p:par>
+                              <p:par>
+                                <p:cTn id="7" presetID="1" presetClass="entr" presetSubtype="0" fill="hold" grpId="2" nodeType="withEffect">
+                                  <p:stCondLst>
+                                    <p:cond delay="0"/>
+                                  </p:stCondLst>
+                                  <p:childTnLst>
+                                    <p:set>
+                                      <p:cBhvr>
+                                        <p:cTn id="8" dur="1" fill="hold">
+                                          <p:stCondLst>
+                                            <p:cond delay="0"/>
+                                          </p:stCondLst>
+                                        </p:cTn>
+                                        <p:tgtEl>
+                                          <p:spTgt spid="7"/>
+                                        </p:tgtEl>
+                                        <p:attrNameLst>
+                                          <p:attrName>style.visibility</p:attrName>
+                                        </p:attrNameLst>
+                                      </p:cBhvr>
+                                      <p:to>
+                                        <p:strVal val="visible"/>
+                                      </p:to>
+                                    </p:set>
+                                  </p:childTnLst>
+                                </p:cTn>
+                              </p:par>
+                            </p:childTnLst>
+                          </p:cTn>
+                        </p:par>
+                      </p:childTnLst>
+                    </p:cTn>
+                  </p:par>
+                  <p:par>
+                    <p:cTn id="9" fill="hold">
+                      <p:stCondLst>
+                        <p:cond delay="indefinite"/>
+                      </p:stCondLst>
+                      <p:childTnLst>
+                        <p:par>
+                          <p:cTn id="10" fill="hold">
+                            <p:stCondLst>
+                              <p:cond delay="0"/>
+                            </p:stCondLst>
+                            <p:childTnLst>
+                              <p:par>
+                                <p:cTn id="11" presetID="1" presetClass="entr" presetSubtype="0" fill="hold" nodeType="clickEffect">
+                                  <p:stCondLst>
+                                    <p:cond delay="0"/>
+                                  </p:stCondLst>
+                                  <p:childTnLst>
+                                    <p:set>
+                                      <p:cBhvr>
+                                        <p:cTn id="12" dur="1" fill="hold">
+                                          <p:stCondLst>
+                                            <p:cond delay="0"/>
+                                          </p:stCondLst>
+                                        </p:cTn>
+                                        <p:tgtEl>
+                                          <p:spTgt spid="11"/>
+                                        </p:tgtEl>
+                                        <p:attrNameLst>
+                                          <p:attrName>style.visibility</p:attrName>
+                                        </p:attrNameLst>
+                                      </p:cBhvr>
+                                      <p:to>
+                                        <p:strVal val="visible"/>
+                                      </p:to>
+                                    </p:set>
+                                  </p:childTnLst>
+                                </p:cTn>
+                              </p:par>
+                              <p:par>
+                                <p:cTn id="13" presetID="1" presetClass="entr" presetSubtype="0" fill="hold" grpId="0" nodeType="withEffect">
+                                  <p:stCondLst>
+                                    <p:cond delay="0"/>
+                                  </p:stCondLst>
+                                  <p:childTnLst>
+                                    <p:set>
+                                      <p:cBhvr>
+                                        <p:cTn id="14" dur="1" fill="hold">
+                                          <p:stCondLst>
+                                            <p:cond delay="0"/>
+                                          </p:stCondLst>
+                                        </p:cTn>
+                                        <p:tgtEl>
+                                          <p:spTgt spid="5"/>
+                                        </p:tgtEl>
+                                        <p:attrNameLst>
+                                          <p:attrName>style.visibility</p:attrName>
+                                        </p:attrNameLst>
+                                      </p:cBhvr>
+                                      <p:to>
+                                        <p:strVal val="visible"/>
+                                      </p:to>
+                                    </p:set>
+                                  </p:childTnLst>
+                                </p:cTn>
+                              </p:par>
+                              <p:par>
+                                <p:cTn id="15" presetID="1" presetClass="entr" presetSubtype="0" fill="hold" nodeType="withEffect">
+                                  <p:stCondLst>
+                                    <p:cond delay="0"/>
+                                  </p:stCondLst>
+                                  <p:childTnLst>
+                                    <p:set>
+                                      <p:cBhvr>
+                                        <p:cTn id="16" dur="1" fill="hold">
+                                          <p:stCondLst>
+                                            <p:cond delay="0"/>
+                                          </p:stCondLst>
+                                        </p:cTn>
+                                        <p:tgtEl>
+                                          <p:spTgt spid="1026"/>
+                                        </p:tgtEl>
+                                        <p:attrNameLst>
+                                          <p:attrName>style.visibility</p:attrName>
+                                        </p:attrNameLst>
+                                      </p:cBhvr>
+                                      <p:to>
+                                        <p:strVal val="visible"/>
+                                      </p:to>
+                                    </p:set>
+                                  </p:childTnLst>
+                                </p:cTn>
+                              </p:par>
+                              <p:par>
+                                <p:cTn id="17" presetID="1" presetClass="entr" presetSubtype="0" fill="hold" grpId="0" nodeType="withEffect">
+                                  <p:stCondLst>
+                                    <p:cond delay="0"/>
+                                  </p:stCondLst>
+                                  <p:childTnLst>
+                                    <p:set>
+                                      <p:cBhvr>
+                                        <p:cTn id="18" dur="1" fill="hold">
+                                          <p:stCondLst>
+                                            <p:cond delay="0"/>
+                                          </p:stCondLst>
+                                        </p:cTn>
+                                        <p:tgtEl>
+                                          <p:spTgt spid="22"/>
+                                        </p:tgtEl>
+                                        <p:attrNameLst>
+                                          <p:attrName>style.visibility</p:attrName>
+                                        </p:attrNameLst>
+                                      </p:cBhvr>
+                                      <p:to>
+                                        <p:strVal val="visible"/>
+                                      </p:to>
+                                    </p:set>
+                                  </p:childTnLst>
+                                </p:cTn>
+                              </p:par>
+                            </p:childTnLst>
+                          </p:cTn>
+                        </p:par>
+                      </p:childTnLst>
+                    </p:cTn>
+                  </p:par>
+                  <p:par>
+                    <p:cTn id="19" fill="hold">
+                      <p:stCondLst>
+                        <p:cond delay="indefinite"/>
+                      </p:stCondLst>
+                      <p:childTnLst>
+                        <p:par>
+                          <p:cTn id="20" fill="hold">
+                            <p:stCondLst>
+                              <p:cond delay="0"/>
+                            </p:stCondLst>
+                            <p:childTnLst>
+                              <p:par>
+                                <p:cTn id="21" presetID="1" presetClass="entr" presetSubtype="0" fill="hold" nodeType="clickEffect">
+                                  <p:stCondLst>
+                                    <p:cond delay="0"/>
+                                  </p:stCondLst>
+                                  <p:childTnLst>
+                                    <p:set>
+                                      <p:cBhvr>
+                                        <p:cTn id="22" dur="1" fill="hold">
+                                          <p:stCondLst>
+                                            <p:cond delay="0"/>
+                                          </p:stCondLst>
+                                        </p:cTn>
+                                        <p:tgtEl>
+                                          <p:spTgt spid="13"/>
+                                        </p:tgtEl>
+                                        <p:attrNameLst>
+                                          <p:attrName>style.visibility</p:attrName>
+                                        </p:attrNameLst>
+                                      </p:cBhvr>
+                                      <p:to>
+                                        <p:strVal val="visible"/>
+                                      </p:to>
+                                    </p:set>
+                                  </p:childTnLst>
+                                </p:cTn>
+                              </p:par>
+                              <p:par>
+                                <p:cTn id="23" presetID="1" presetClass="entr" presetSubtype="0" fill="hold" nodeType="withEffect">
+                                  <p:stCondLst>
+                                    <p:cond delay="0"/>
+                                  </p:stCondLst>
+                                  <p:childTnLst>
+                                    <p:set>
+                                      <p:cBhvr>
+                                        <p:cTn id="24" dur="1" fill="hold">
+                                          <p:stCondLst>
+                                            <p:cond delay="0"/>
+                                          </p:stCondLst>
+                                        </p:cTn>
+                                        <p:tgtEl>
+                                          <p:spTgt spid="1031"/>
+                                        </p:tgtEl>
+                                        <p:attrNameLst>
+                                          <p:attrName>style.visibility</p:attrName>
+                                        </p:attrNameLst>
+                                      </p:cBhvr>
+                                      <p:to>
+                                        <p:strVal val="visible"/>
+                                      </p:to>
+                                    </p:set>
+                                  </p:childTnLst>
+                                </p:cTn>
+                              </p:par>
+                              <p:par>
+                                <p:cTn id="25" presetID="1" presetClass="entr" presetSubtype="0" fill="hold" grpId="0" nodeType="withEffect">
+                                  <p:stCondLst>
+                                    <p:cond delay="0"/>
+                                  </p:stCondLst>
+                                  <p:childTnLst>
+                                    <p:set>
+                                      <p:cBhvr>
+                                        <p:cTn id="26" dur="1" fill="hold">
+                                          <p:stCondLst>
+                                            <p:cond delay="0"/>
+                                          </p:stCondLst>
+                                        </p:cTn>
+                                        <p:tgtEl>
+                                          <p:spTgt spid="29"/>
+                                        </p:tgtEl>
+                                        <p:attrNameLst>
+                                          <p:attrName>style.visibility</p:attrName>
+                                        </p:attrNameLst>
+                                      </p:cBhvr>
+                                      <p:to>
+                                        <p:strVal val="visible"/>
+                                      </p:to>
+                                    </p:set>
+                                  </p:childTnLst>
+                                </p:cTn>
+                              </p:par>
+                            </p:childTnLst>
+                          </p:cTn>
+                        </p:par>
+                      </p:childTnLst>
+                    </p:cTn>
+                  </p:par>
+                  <p:par>
+                    <p:cTn id="27" fill="hold">
+                      <p:stCondLst>
+                        <p:cond delay="indefinite"/>
+                      </p:stCondLst>
+                      <p:childTnLst>
+                        <p:par>
+                          <p:cTn id="28" fill="hold">
+                            <p:stCondLst>
+                              <p:cond delay="0"/>
+                            </p:stCondLst>
+                            <p:childTnLst>
+                              <p:par>
+                                <p:cTn id="29" presetID="1" presetClass="entr" presetSubtype="0" fill="hold" nodeType="clickEffect">
+                                  <p:stCondLst>
+                                    <p:cond delay="0"/>
+                                  </p:stCondLst>
+                                  <p:childTnLst>
+                                    <p:set>
+                                      <p:cBhvr>
+                                        <p:cTn id="30" dur="1" fill="hold">
+                                          <p:stCondLst>
+                                            <p:cond delay="0"/>
+                                          </p:stCondLst>
+                                        </p:cTn>
+                                        <p:tgtEl>
+                                          <p:spTgt spid="15"/>
+                                        </p:tgtEl>
+                                        <p:attrNameLst>
+                                          <p:attrName>style.visibility</p:attrName>
+                                        </p:attrNameLst>
+                                      </p:cBhvr>
+                                      <p:to>
+                                        <p:strVal val="visible"/>
+                                      </p:to>
+                                    </p:set>
+                                  </p:childTnLst>
+                                </p:cTn>
+                              </p:par>
+                              <p:par>
+                                <p:cTn id="31" presetID="1" presetClass="entr" presetSubtype="0" fill="hold" nodeType="withEffect">
+                                  <p:stCondLst>
+                                    <p:cond delay="0"/>
+                                  </p:stCondLst>
+                                  <p:childTnLst>
+                                    <p:set>
+                                      <p:cBhvr>
+                                        <p:cTn id="32" dur="1" fill="hold">
+                                          <p:stCondLst>
+                                            <p:cond delay="0"/>
+                                          </p:stCondLst>
+                                        </p:cTn>
+                                        <p:tgtEl>
+                                          <p:spTgt spid="20"/>
+                                        </p:tgtEl>
+                                        <p:attrNameLst>
+                                          <p:attrName>style.visibility</p:attrName>
+                                        </p:attrNameLst>
+                                      </p:cBhvr>
+                                      <p:to>
+                                        <p:strVal val="visible"/>
+                                      </p:to>
+                                    </p:set>
+                                  </p:childTnLst>
+                                </p:cTn>
+                              </p:par>
+                              <p:par>
+                                <p:cTn id="33" presetID="1" presetClass="entr" presetSubtype="0" fill="hold" nodeType="withEffect">
+                                  <p:stCondLst>
+                                    <p:cond delay="0"/>
+                                  </p:stCondLst>
+                                  <p:childTnLst>
+                                    <p:set>
+                                      <p:cBhvr>
+                                        <p:cTn id="34" dur="1" fill="hold">
+                                          <p:stCondLst>
+                                            <p:cond delay="0"/>
+                                          </p:stCondLst>
+                                        </p:cTn>
+                                        <p:tgtEl>
+                                          <p:spTgt spid="27"/>
+                                        </p:tgtEl>
+                                        <p:attrNameLst>
+                                          <p:attrName>style.visibility</p:attrName>
+                                        </p:attrNameLst>
+                                      </p:cBhvr>
+                                      <p:to>
+                                        <p:strVal val="visible"/>
+                                      </p:to>
+                                    </p:set>
+                                  </p:childTnLst>
+                                </p:cTn>
+                              </p:par>
+                              <p:par>
+                                <p:cTn id="35" presetID="1" presetClass="entr" presetSubtype="0" fill="hold" nodeType="withEffect">
+                                  <p:stCondLst>
+                                    <p:cond delay="0"/>
+                                  </p:stCondLst>
+                                  <p:childTnLst>
+                                    <p:set>
+                                      <p:cBhvr>
+                                        <p:cTn id="36" dur="1" fill="hold">
+                                          <p:stCondLst>
+                                            <p:cond delay="0"/>
+                                          </p:stCondLst>
+                                        </p:cTn>
+                                        <p:tgtEl>
+                                          <p:spTgt spid="1030"/>
+                                        </p:tgtEl>
+                                        <p:attrNameLst>
+                                          <p:attrName>style.visibility</p:attrName>
+                                        </p:attrNameLst>
+                                      </p:cBhvr>
+                                      <p:to>
+                                        <p:strVal val="visible"/>
+                                      </p:to>
+                                    </p:set>
+                                  </p:childTnLst>
+                                </p:cTn>
+                              </p:par>
+                              <p:par>
+                                <p:cTn id="37" presetID="1" presetClass="entr" presetSubtype="0" fill="hold" nodeType="withEffect">
+                                  <p:stCondLst>
+                                    <p:cond delay="0"/>
+                                  </p:stCondLst>
+                                  <p:childTnLst>
+                                    <p:set>
+                                      <p:cBhvr>
+                                        <p:cTn id="38" dur="1" fill="hold">
+                                          <p:stCondLst>
+                                            <p:cond delay="0"/>
+                                          </p:stCondLst>
+                                        </p:cTn>
+                                        <p:tgtEl>
+                                          <p:spTgt spid="1029"/>
+                                        </p:tgtEl>
+                                        <p:attrNameLst>
+                                          <p:attrName>style.visibility</p:attrName>
+                                        </p:attrNameLst>
+                                      </p:cBhvr>
+                                      <p:to>
+                                        <p:strVal val="visible"/>
+                                      </p:to>
+                                    </p:set>
+                                  </p:childTnLst>
+                                </p:cTn>
+                              </p:par>
+                              <p:par>
+                                <p:cTn id="39" presetID="1" presetClass="entr" presetSubtype="0" fill="hold" nodeType="withEffect">
+                                  <p:stCondLst>
+                                    <p:cond delay="0"/>
+                                  </p:stCondLst>
+                                  <p:childTnLst>
+                                    <p:set>
+                                      <p:cBhvr>
+                                        <p:cTn id="40" dur="1" fill="hold">
+                                          <p:stCondLst>
+                                            <p:cond delay="0"/>
+                                          </p:stCondLst>
+                                        </p:cTn>
+                                        <p:tgtEl>
+                                          <p:spTgt spid="1028"/>
+                                        </p:tgtEl>
+                                        <p:attrNameLst>
+                                          <p:attrName>style.visibility</p:attrName>
+                                        </p:attrNameLst>
+                                      </p:cBhvr>
+                                      <p:to>
+                                        <p:strVal val="visible"/>
+                                      </p:to>
+                                    </p:set>
+                                  </p:childTnLst>
+                                </p:cTn>
+                              </p:par>
+                            </p:childTnLst>
+                          </p:cTn>
+                        </p:par>
+                      </p:childTnLst>
+                    </p:cTn>
+                  </p:par>
+                </p:childTnLst>
+              </p:cTn>
+              <p:prevCondLst>
+                <p:cond evt="onPrev" delay="0">
+                  <p:tgtEl>
+                    <p:sldTgt/>
+                  </p:tgtEl>
+                </p:cond>
+              </p:prevCondLst>
+              <p:nextCondLst>
+                <p:cond evt="onNext" delay="0">
+                  <p:tgtEl>
+                    <p:sldTgt/>
+                  </p:tgtEl>
+                </p:cond>
+              </p:nextCondLst>
+            </p:seq>
+          </p:childTnLst>
+        </p:cTn>
+      </p:par>
+    </p:tnLst>
+    <p:bldLst>
+      <p:bldP spid="5" grpId="0"/>
+      <p:bldP spid="7" grpId="2"/>
+      <p:bldP spid="22" grpId="0"/>
+      <p:bldP spid="29" grpId="0"/>
+    </p:bldLst>
+  </p:timing>
+</p:sld>
+</file>
+
+<file path=ppt/slides/slide8.xml><?xml version="1.0" encoding="utf-8"?>
+<p:sld xmlns:a="http://schemas.openxmlformats.org/drawingml/2006/main" xmlns:r="http://schemas.openxmlformats.org/officeDocument/2006/relationships" xmlns:p="http://schemas.openxmlformats.org/presentationml/2006/main">
+  <p:cSld>
+    <p:spTree>
+      <p:nvGrpSpPr>
+        <p:cNvPr id="1" name=""/>
+        <p:cNvGrpSpPr/>
+        <p:nvPr/>
+      </p:nvGrpSpPr>
+      <p:grpSpPr>
+        <a:xfrm>
+          <a:off x="0" y="0"/>
+          <a:ext cx="0" cy="0"/>
+          <a:chOff x="0" y="0"/>
+          <a:chExt cx="0" cy="0"/>
+        </a:xfrm>
+      </p:grpSpPr>
+      <p:sp>
+        <p:nvSpPr>
+          <p:cNvPr id="2" name="Title 1"/>
+          <p:cNvSpPr>
+            <a:spLocks noGrp="1"/>
+          </p:cNvSpPr>
+          <p:nvPr>
+            <p:ph type="title"/>
+          </p:nvPr>
+        </p:nvSpPr>
+        <p:spPr>
+          <a:xfrm>
+            <a:off x="726021" y="298228"/>
+            <a:ext cx="7402837" cy="667250"/>
+          </a:xfrm>
+        </p:spPr>
+        <p:txBody>
+          <a:bodyPr/>
+          <a:lstStyle/>
+          <a:p>
+            <a:r>
+              <a:rPr lang="en-US" sz="3200" dirty="0" smtClean="0"/>
+              <a:t>Scenario </a:t>
+            </a:r>
+            <a:r>
+              <a:rPr lang="en-US" sz="3200" dirty="0" smtClean="0"/>
+              <a:t>3 – Emergency Preparedness</a:t>
+            </a:r>
+            <a:endParaRPr lang="en-US" sz="3200" dirty="0"/>
+          </a:p>
+        </p:txBody>
+      </p:sp>
+      <p:sp>
+        <p:nvSpPr>
+          <p:cNvPr id="3" name="Text Placeholder 2"/>
+          <p:cNvSpPr>
+            <a:spLocks noGrp="1"/>
+          </p:cNvSpPr>
+          <p:nvPr>
+            <p:ph type="body" sz="quarter" idx="10"/>
+          </p:nvPr>
+        </p:nvSpPr>
+        <p:spPr>
+          <a:xfrm>
+            <a:off x="824343" y="1223158"/>
+            <a:ext cx="7402837" cy="910441"/>
+          </a:xfrm>
+        </p:spPr>
+        <p:txBody>
+          <a:bodyPr/>
+          <a:lstStyle/>
+          <a:p>
+            <a:r>
+              <a:rPr lang="en-US" dirty="0" smtClean="0"/>
+              <a:t>In case of an emergency like fire, t</a:t>
+            </a:r>
+            <a:r>
+              <a:rPr lang="en-US" dirty="0" smtClean="0"/>
+              <a:t>he path to a relief area that you know is not viable.</a:t>
+            </a:r>
+            <a:endParaRPr lang="en-US" dirty="0"/>
+          </a:p>
+        </p:txBody>
+      </p:sp>
+      <p:pic>
+        <p:nvPicPr>
+          <p:cNvPr id="4" name="Picture 2" descr="C:\Users\B45802\Documents\tmp\cartoon_clouds.gif"/>
+          <p:cNvPicPr>
+            <a:picLocks noChangeAspect="1" noChangeArrowheads="1"/>
+          </p:cNvPicPr>
+          <p:nvPr/>
+        </p:nvPicPr>
+        <p:blipFill>
+          <a:blip r:embed="rId2" cstate="print"/>
+          <a:srcRect/>
+          <a:stretch>
+            <a:fillRect/>
+          </a:stretch>
+        </p:blipFill>
+        <p:spPr bwMode="auto">
+          <a:xfrm>
+            <a:off x="3510872" y="1693765"/>
+            <a:ext cx="1683607" cy="1291109"/>
+          </a:xfrm>
+          <a:prstGeom prst="rect">
+            <a:avLst/>
+          </a:prstGeom>
+          <a:noFill/>
+        </p:spPr>
+      </p:pic>
+      <p:sp>
+        <p:nvSpPr>
+          <p:cNvPr id="5" name="TextBox 4"/>
+          <p:cNvSpPr txBox="1"/>
+          <p:nvPr/>
+        </p:nvSpPr>
+        <p:spPr>
+          <a:xfrm>
+            <a:off x="3906819" y="2187805"/>
+            <a:ext cx="807308" cy="329513"/>
+          </a:xfrm>
+          <a:prstGeom prst="rect">
+            <a:avLst/>
+          </a:prstGeom>
+          <a:noFill/>
+        </p:spPr>
+        <p:txBody>
+          <a:bodyPr wrap="square" lIns="91440" tIns="45720" rIns="91440" rtlCol="0" anchor="t">
+            <a:noAutofit/>
+          </a:bodyPr>
+          <a:lstStyle/>
+          <a:p>
+            <a:r>
+              <a:rPr lang="en-US" sz="1500" dirty="0" smtClean="0">
+                <a:solidFill>
+                  <a:schemeClr val="accent4">
+                    <a:lumMod val="50000"/>
+                  </a:schemeClr>
+                </a:solidFill>
+              </a:rPr>
+              <a:t>Cloud</a:t>
+            </a:r>
+            <a:endParaRPr lang="en-US" sz="1500" dirty="0" smtClean="0">
+              <a:solidFill>
+                <a:schemeClr val="accent4">
+                  <a:lumMod val="50000"/>
+                </a:schemeClr>
+              </a:solidFill>
+            </a:endParaRPr>
+          </a:p>
+        </p:txBody>
+      </p:sp>
+      <p:pic>
+        <p:nvPicPr>
+          <p:cNvPr id="6" name="Picture 4" descr="C:\Users\B45802\Documents\tmp\weather-alert.jpg"/>
+          <p:cNvPicPr>
+            <a:picLocks noChangeAspect="1" noChangeArrowheads="1"/>
+          </p:cNvPicPr>
+          <p:nvPr/>
+        </p:nvPicPr>
+        <p:blipFill>
+          <a:blip r:embed="rId3" cstate="print"/>
+          <a:srcRect/>
+          <a:stretch>
+            <a:fillRect/>
+          </a:stretch>
+        </p:blipFill>
+        <p:spPr bwMode="auto">
+          <a:xfrm>
+            <a:off x="3976856" y="4897825"/>
+            <a:ext cx="834770" cy="626077"/>
+          </a:xfrm>
+          <a:prstGeom prst="rect">
+            <a:avLst/>
+          </a:prstGeom>
+          <a:noFill/>
+        </p:spPr>
+      </p:pic>
+      <p:pic>
+        <p:nvPicPr>
+          <p:cNvPr id="7" name="Picture 5" descr="C:\Users\B45802\Documents\tmp\phone4_0_0.jpg"/>
+          <p:cNvPicPr>
+            <a:picLocks noChangeAspect="1" noChangeArrowheads="1"/>
+          </p:cNvPicPr>
+          <p:nvPr/>
+        </p:nvPicPr>
+        <p:blipFill>
+          <a:blip r:embed="rId4" cstate="print"/>
+          <a:srcRect/>
+          <a:stretch>
+            <a:fillRect/>
+          </a:stretch>
+        </p:blipFill>
+        <p:spPr bwMode="auto">
+          <a:xfrm>
+            <a:off x="5363977" y="4882670"/>
+            <a:ext cx="1145360" cy="644598"/>
+          </a:xfrm>
+          <a:prstGeom prst="rect">
+            <a:avLst/>
+          </a:prstGeom>
+          <a:noFill/>
+        </p:spPr>
+      </p:pic>
+      <p:cxnSp>
+        <p:nvCxnSpPr>
+          <p:cNvPr id="10" name="Straight Arrow Connector 9"/>
+          <p:cNvCxnSpPr/>
+          <p:nvPr/>
+        </p:nvCxnSpPr>
+        <p:spPr>
+          <a:xfrm>
+            <a:off x="4960905" y="3123387"/>
+            <a:ext cx="859792" cy="1714084"/>
+          </a:xfrm>
+          <a:prstGeom prst="straightConnector1">
+            <a:avLst/>
+          </a:prstGeom>
+          <a:ln>
+            <a:tailEnd type="arrow"/>
+          </a:ln>
+        </p:spPr>
+        <p:style>
+          <a:lnRef idx="2">
+            <a:schemeClr val="accent3"/>
+          </a:lnRef>
+          <a:fillRef idx="0">
+            <a:schemeClr val="accent3"/>
+          </a:fillRef>
+          <a:effectRef idx="1">
+            <a:schemeClr val="accent3"/>
+          </a:effectRef>
+          <a:fontRef idx="minor">
+            <a:schemeClr val="tx1"/>
+          </a:fontRef>
+        </p:style>
+      </p:cxnSp>
+      <p:cxnSp>
+        <p:nvCxnSpPr>
+          <p:cNvPr id="11" name="Straight Arrow Connector 10"/>
+          <p:cNvCxnSpPr/>
+          <p:nvPr/>
+        </p:nvCxnSpPr>
+        <p:spPr>
+          <a:xfrm>
+            <a:off x="5519616" y="3022008"/>
+            <a:ext cx="1648100" cy="65321"/>
+          </a:xfrm>
+          <a:prstGeom prst="straightConnector1">
+            <a:avLst/>
+          </a:prstGeom>
+          <a:ln>
+            <a:headEnd type="arrow"/>
+            <a:tailEnd type="arrow"/>
+          </a:ln>
+        </p:spPr>
+        <p:style>
+          <a:lnRef idx="2">
+            <a:schemeClr val="accent1"/>
+          </a:lnRef>
+          <a:fillRef idx="0">
+            <a:schemeClr val="accent1"/>
+          </a:fillRef>
+          <a:effectRef idx="1">
+            <a:schemeClr val="accent1"/>
+          </a:effectRef>
+          <a:fontRef idx="minor">
+            <a:schemeClr val="tx1"/>
+          </a:fontRef>
+        </p:style>
+      </p:cxnSp>
+      <p:pic>
+        <p:nvPicPr>
+          <p:cNvPr id="3074" name="Picture 2" descr="C:\Users\B45802\Documents\tmp\Inside-A-Smartphone-App-For-In-building-Navigation-1.jpg"/>
+          <p:cNvPicPr>
+            <a:picLocks noChangeAspect="1" noChangeArrowheads="1"/>
+          </p:cNvPicPr>
+          <p:nvPr/>
+        </p:nvPicPr>
+        <p:blipFill>
+          <a:blip r:embed="rId5" cstate="print"/>
+          <a:srcRect/>
+          <a:stretch>
+            <a:fillRect/>
+          </a:stretch>
+        </p:blipFill>
+        <p:spPr bwMode="auto">
+          <a:xfrm>
+            <a:off x="7590505" y="1465919"/>
+            <a:ext cx="1376516" cy="2382158"/>
+          </a:xfrm>
+          <a:prstGeom prst="rect">
+            <a:avLst/>
+          </a:prstGeom>
+          <a:noFill/>
+        </p:spPr>
+      </p:pic>
+      <p:pic>
+        <p:nvPicPr>
+          <p:cNvPr id="3075" name="Picture 3" descr="C:\Users\B45802\Documents\tmp\Fire.png"/>
+          <p:cNvPicPr>
+            <a:picLocks noChangeAspect="1" noChangeArrowheads="1"/>
+          </p:cNvPicPr>
+          <p:nvPr/>
+        </p:nvPicPr>
+        <p:blipFill>
+          <a:blip r:embed="rId6" cstate="print"/>
+          <a:srcRect/>
+          <a:stretch>
+            <a:fillRect/>
+          </a:stretch>
+        </p:blipFill>
+        <p:spPr bwMode="auto">
+          <a:xfrm>
+            <a:off x="8504903" y="2396008"/>
+            <a:ext cx="407013" cy="501589"/>
+          </a:xfrm>
+          <a:prstGeom prst="rect">
+            <a:avLst/>
+          </a:prstGeom>
+          <a:noFill/>
+        </p:spPr>
+      </p:pic>
+      <p:cxnSp>
+        <p:nvCxnSpPr>
+          <p:cNvPr id="28" name="Straight Arrow Connector 27"/>
+          <p:cNvCxnSpPr/>
+          <p:nvPr/>
+        </p:nvCxnSpPr>
+        <p:spPr>
+          <a:xfrm flipH="1">
+            <a:off x="4336026" y="3069309"/>
+            <a:ext cx="20194" cy="1689504"/>
+          </a:xfrm>
+          <a:prstGeom prst="straightConnector1">
+            <a:avLst/>
+          </a:prstGeom>
+          <a:ln>
+            <a:tailEnd type="arrow"/>
+          </a:ln>
+        </p:spPr>
+        <p:style>
+          <a:lnRef idx="2">
+            <a:schemeClr val="accent3"/>
+          </a:lnRef>
+          <a:fillRef idx="0">
+            <a:schemeClr val="accent3"/>
+          </a:fillRef>
+          <a:effectRef idx="1">
+            <a:schemeClr val="accent3"/>
+          </a:effectRef>
+          <a:fontRef idx="minor">
+            <a:schemeClr val="tx1"/>
+          </a:fontRef>
+        </p:style>
+      </p:cxnSp>
+      <p:sp>
+        <p:nvSpPr>
+          <p:cNvPr id="32" name="TextBox 31"/>
+          <p:cNvSpPr txBox="1"/>
+          <p:nvPr/>
+        </p:nvSpPr>
+        <p:spPr>
+          <a:xfrm>
+            <a:off x="5417574" y="1838632"/>
+            <a:ext cx="1759974" cy="1032387"/>
+          </a:xfrm>
+          <a:prstGeom prst="rect">
+            <a:avLst/>
+          </a:prstGeom>
+          <a:noFill/>
+        </p:spPr>
+        <p:txBody>
+          <a:bodyPr wrap="square" lIns="91440" tIns="45720" rIns="91440" rtlCol="0" anchor="t">
+            <a:noAutofit/>
+          </a:bodyPr>
+          <a:lstStyle/>
+          <a:p>
+            <a:r>
+              <a:rPr lang="en-US" sz="1500" dirty="0" smtClean="0">
+                <a:solidFill>
+                  <a:schemeClr val="bg1"/>
+                </a:solidFill>
+              </a:rPr>
+              <a:t>Calculates viable path for each employee based on their location</a:t>
+            </a:r>
+            <a:endParaRPr lang="en-US" sz="1500" dirty="0" smtClean="0">
+              <a:solidFill>
+                <a:schemeClr val="bg1"/>
+              </a:solidFill>
+            </a:endParaRPr>
+          </a:p>
+        </p:txBody>
+      </p:sp>
+      <p:pic>
+        <p:nvPicPr>
+          <p:cNvPr id="3076" name="Picture 4" descr="C:\Users\B45802\Documents\tmp\Admin-icon.png"/>
+          <p:cNvPicPr>
+            <a:picLocks noChangeAspect="1" noChangeArrowheads="1"/>
+          </p:cNvPicPr>
+          <p:nvPr/>
+        </p:nvPicPr>
+        <p:blipFill>
+          <a:blip r:embed="rId7" cstate="print"/>
+          <a:srcRect/>
+          <a:stretch>
+            <a:fillRect/>
+          </a:stretch>
+        </p:blipFill>
+        <p:spPr bwMode="auto">
+          <a:xfrm>
+            <a:off x="1052052" y="3558970"/>
+            <a:ext cx="1465518" cy="1465518"/>
+          </a:xfrm>
+          <a:prstGeom prst="rect">
+            <a:avLst/>
+          </a:prstGeom>
+          <a:noFill/>
+        </p:spPr>
+      </p:pic>
+      <p:cxnSp>
+        <p:nvCxnSpPr>
+          <p:cNvPr id="35" name="Straight Arrow Connector 34"/>
+          <p:cNvCxnSpPr/>
+          <p:nvPr/>
+        </p:nvCxnSpPr>
+        <p:spPr>
+          <a:xfrm flipV="1">
+            <a:off x="2487561" y="2861187"/>
+            <a:ext cx="865239" cy="757084"/>
+          </a:xfrm>
+          <a:prstGeom prst="straightConnector1">
+            <a:avLst/>
+          </a:prstGeom>
+          <a:ln>
+            <a:tailEnd type="arrow"/>
+          </a:ln>
+        </p:spPr>
+        <p:style>
+          <a:lnRef idx="2">
+            <a:schemeClr val="accent2"/>
+          </a:lnRef>
+          <a:fillRef idx="0">
+            <a:schemeClr val="accent2"/>
+          </a:fillRef>
+          <a:effectRef idx="1">
+            <a:schemeClr val="accent2"/>
+          </a:effectRef>
+          <a:fontRef idx="minor">
+            <a:schemeClr val="tx1"/>
+          </a:fontRef>
+        </p:style>
+      </p:cxnSp>
+      <p:sp>
+        <p:nvSpPr>
+          <p:cNvPr id="36" name="TextBox 35"/>
+          <p:cNvSpPr txBox="1"/>
+          <p:nvPr/>
+        </p:nvSpPr>
+        <p:spPr>
+          <a:xfrm>
+            <a:off x="884903" y="2182761"/>
+            <a:ext cx="2163097" cy="668594"/>
+          </a:xfrm>
+          <a:prstGeom prst="rect">
+            <a:avLst/>
+          </a:prstGeom>
+          <a:noFill/>
+        </p:spPr>
+        <p:txBody>
+          <a:bodyPr wrap="square" lIns="91440" tIns="45720" rIns="91440" rtlCol="0" anchor="t">
+            <a:noAutofit/>
+          </a:bodyPr>
+          <a:lstStyle/>
+          <a:p>
+            <a:r>
+              <a:rPr lang="en-US" sz="1500" dirty="0" smtClean="0">
+                <a:solidFill>
+                  <a:schemeClr val="bg1"/>
+                </a:solidFill>
+              </a:rPr>
+              <a:t>Admin creates an alert for affected employees in case of emergency with all information about the situation.</a:t>
+            </a:r>
+            <a:endParaRPr lang="en-US" sz="1500" dirty="0" err="1" smtClean="0">
+              <a:solidFill>
+                <a:schemeClr val="bg1"/>
+              </a:solidFill>
+            </a:endParaRPr>
+          </a:p>
+        </p:txBody>
+      </p:sp>
+      <p:sp>
+        <p:nvSpPr>
+          <p:cNvPr id="37" name="TextBox 36"/>
+          <p:cNvSpPr txBox="1"/>
+          <p:nvPr/>
+        </p:nvSpPr>
+        <p:spPr>
+          <a:xfrm>
+            <a:off x="5638799" y="3593690"/>
+            <a:ext cx="1735393" cy="1086464"/>
+          </a:xfrm>
+          <a:prstGeom prst="rect">
+            <a:avLst/>
+          </a:prstGeom>
+          <a:noFill/>
+        </p:spPr>
+        <p:txBody>
+          <a:bodyPr wrap="square" lIns="91440" tIns="45720" rIns="91440" rtlCol="0" anchor="t">
+            <a:noAutofit/>
+          </a:bodyPr>
+          <a:lstStyle/>
+          <a:p>
+            <a:r>
+              <a:rPr lang="en-US" sz="1500" dirty="0" smtClean="0">
+                <a:solidFill>
+                  <a:schemeClr val="bg1"/>
+                </a:solidFill>
+              </a:rPr>
+              <a:t>Emergency alert on all employee’s mobile and desktop devices.</a:t>
+            </a:r>
+            <a:endParaRPr lang="en-US" sz="1500" dirty="0" err="1" smtClean="0">
+              <a:solidFill>
+                <a:schemeClr val="bg1"/>
+              </a:solidFill>
+            </a:endParaRPr>
+          </a:p>
+        </p:txBody>
+      </p:sp>
+    </p:spTree>
+  </p:cSld>
+  <p:clrMapOvr>
+    <a:masterClrMapping/>
+  </p:clrMapOvr>
+  <p:transition>
+    <p:fade/>
+  </p:transition>
+  <p:timing>
+    <p:tnLst>
+      <p:par>
+        <p:cTn id="1" dur="indefinite" restart="never" nodeType="tmRoot">
+          <p:childTnLst>
+            <p:seq concurrent="1" nextAc="seek">
+              <p:cTn id="2" dur="indefinite" nodeType="mainSeq">
+                <p:childTnLst>
+                  <p:par>
+                    <p:cTn id="3" fill="hold">
+                      <p:stCondLst>
+                        <p:cond delay="indefinite"/>
+                      </p:stCondLst>
+                      <p:childTnLst>
+                        <p:par>
+                          <p:cTn id="4" fill="hold">
+                            <p:stCondLst>
+                              <p:cond delay="0"/>
+                            </p:stCondLst>
+                            <p:childTnLst>
+                              <p:par>
+                                <p:cTn id="5" presetID="1" presetClass="entr" presetSubtype="0" fill="hold" grpId="0" nodeType="clickEffect">
+                                  <p:stCondLst>
+                                    <p:cond delay="0"/>
+                                  </p:stCondLst>
+                                  <p:childTnLst>
+                                    <p:set>
+                                      <p:cBhvr>
+                                        <p:cTn id="6" dur="1" fill="hold">
+                                          <p:stCondLst>
+                                            <p:cond delay="0"/>
+                                          </p:stCondLst>
+                                        </p:cTn>
+                                        <p:tgtEl>
+                                          <p:spTgt spid="3">
+                                            <p:txEl>
+                                              <p:pRg st="0" end="0"/>
+                                            </p:txEl>
+                                          </p:spTgt>
+                                        </p:tgtEl>
+                                        <p:attrNameLst>
+                                          <p:attrName>style.visibility</p:attrName>
+                                        </p:attrNameLst>
+                                      </p:cBhvr>
+                                      <p:to>
+                                        <p:strVal val="visible"/>
+                                      </p:to>
+                                    </p:set>
+                                  </p:childTnLst>
+                                </p:cTn>
+                              </p:par>
+                            </p:childTnLst>
+                          </p:cTn>
+                        </p:par>
+                      </p:childTnLst>
+                    </p:cTn>
+                  </p:par>
+                  <p:par>
+                    <p:cTn id="7" fill="hold">
+                      <p:stCondLst>
+                        <p:cond delay="indefinite"/>
+                      </p:stCondLst>
+                      <p:childTnLst>
+                        <p:par>
+                          <p:cTn id="8" fill="hold">
+                            <p:stCondLst>
+                              <p:cond delay="0"/>
+                            </p:stCondLst>
+                            <p:childTnLst>
+                              <p:par>
+                                <p:cTn id="9" presetID="1" presetClass="entr" presetSubtype="0" fill="hold" grpId="0" nodeType="clickEffect">
+                                  <p:stCondLst>
+                                    <p:cond delay="0"/>
+                                  </p:stCondLst>
+                                  <p:childTnLst>
+                                    <p:set>
+                                      <p:cBhvr>
+                                        <p:cTn id="10" dur="1" fill="hold">
+                                          <p:stCondLst>
+                                            <p:cond delay="0"/>
+                                          </p:stCondLst>
+                                        </p:cTn>
+                                        <p:tgtEl>
+                                          <p:spTgt spid="36"/>
+                                        </p:tgtEl>
+                                        <p:attrNameLst>
+                                          <p:attrName>style.visibility</p:attrName>
+                                        </p:attrNameLst>
+                                      </p:cBhvr>
+                                      <p:to>
+                                        <p:strVal val="visible"/>
+                                      </p:to>
+                                    </p:set>
+                                  </p:childTnLst>
+                                </p:cTn>
+                              </p:par>
+                              <p:par>
+                                <p:cTn id="11" presetID="1" presetClass="entr" presetSubtype="0" fill="hold" nodeType="withEffect">
+                                  <p:stCondLst>
+                                    <p:cond delay="0"/>
+                                  </p:stCondLst>
+                                  <p:childTnLst>
+                                    <p:set>
+                                      <p:cBhvr>
+                                        <p:cTn id="12" dur="1" fill="hold">
+                                          <p:stCondLst>
+                                            <p:cond delay="0"/>
+                                          </p:stCondLst>
+                                        </p:cTn>
+                                        <p:tgtEl>
+                                          <p:spTgt spid="3076"/>
+                                        </p:tgtEl>
+                                        <p:attrNameLst>
+                                          <p:attrName>style.visibility</p:attrName>
+                                        </p:attrNameLst>
+                                      </p:cBhvr>
+                                      <p:to>
+                                        <p:strVal val="visible"/>
+                                      </p:to>
+                                    </p:set>
+                                  </p:childTnLst>
+                                </p:cTn>
+                              </p:par>
+                              <p:par>
+                                <p:cTn id="13" presetID="1" presetClass="entr" presetSubtype="0" fill="hold" nodeType="withEffect">
+                                  <p:stCondLst>
+                                    <p:cond delay="0"/>
+                                  </p:stCondLst>
+                                  <p:childTnLst>
+                                    <p:set>
+                                      <p:cBhvr>
+                                        <p:cTn id="14" dur="1" fill="hold">
+                                          <p:stCondLst>
+                                            <p:cond delay="0"/>
+                                          </p:stCondLst>
+                                        </p:cTn>
+                                        <p:tgtEl>
+                                          <p:spTgt spid="35"/>
+                                        </p:tgtEl>
+                                        <p:attrNameLst>
+                                          <p:attrName>style.visibility</p:attrName>
+                                        </p:attrNameLst>
+                                      </p:cBhvr>
+                                      <p:to>
+                                        <p:strVal val="visible"/>
+                                      </p:to>
+                                    </p:set>
+                                  </p:childTnLst>
+                                </p:cTn>
+                              </p:par>
+                              <p:par>
+                                <p:cTn id="15" presetID="1" presetClass="entr" presetSubtype="0" fill="hold" grpId="0" nodeType="withEffect">
+                                  <p:stCondLst>
+                                    <p:cond delay="0"/>
+                                  </p:stCondLst>
+                                  <p:childTnLst>
+                                    <p:set>
+                                      <p:cBhvr>
+                                        <p:cTn id="16" dur="1" fill="hold">
+                                          <p:stCondLst>
+                                            <p:cond delay="0"/>
+                                          </p:stCondLst>
+                                        </p:cTn>
+                                        <p:tgtEl>
+                                          <p:spTgt spid="5"/>
+                                        </p:tgtEl>
+                                        <p:attrNameLst>
+                                          <p:attrName>style.visibility</p:attrName>
+                                        </p:attrNameLst>
+                                      </p:cBhvr>
+                                      <p:to>
+                                        <p:strVal val="visible"/>
+                                      </p:to>
+                                    </p:set>
+                                  </p:childTnLst>
+                                </p:cTn>
+                              </p:par>
+                              <p:par>
+                                <p:cTn id="17" presetID="1" presetClass="entr" presetSubtype="0" fill="hold" nodeType="withEffect">
+                                  <p:stCondLst>
+                                    <p:cond delay="0"/>
+                                  </p:stCondLst>
+                                  <p:childTnLst>
+                                    <p:set>
+                                      <p:cBhvr>
+                                        <p:cTn id="18" dur="1" fill="hold">
+                                          <p:stCondLst>
+                                            <p:cond delay="0"/>
+                                          </p:stCondLst>
+                                        </p:cTn>
+                                        <p:tgtEl>
+                                          <p:spTgt spid="4"/>
+                                        </p:tgtEl>
+                                        <p:attrNameLst>
+                                          <p:attrName>style.visibility</p:attrName>
+                                        </p:attrNameLst>
+                                      </p:cBhvr>
+                                      <p:to>
+                                        <p:strVal val="visible"/>
+                                      </p:to>
+                                    </p:set>
+                                  </p:childTnLst>
+                                </p:cTn>
+                              </p:par>
+                            </p:childTnLst>
+                          </p:cTn>
+                        </p:par>
+                      </p:childTnLst>
+                    </p:cTn>
+                  </p:par>
+                  <p:par>
+                    <p:cTn id="19" fill="hold">
+                      <p:stCondLst>
+                        <p:cond delay="indefinite"/>
+                      </p:stCondLst>
+                      <p:childTnLst>
+                        <p:par>
+                          <p:cTn id="20" fill="hold">
+                            <p:stCondLst>
+                              <p:cond delay="0"/>
+                            </p:stCondLst>
+                            <p:childTnLst>
+                              <p:par>
+                                <p:cTn id="21" presetID="1" presetClass="entr" presetSubtype="0" fill="hold" grpId="0" nodeType="clickEffect">
+                                  <p:stCondLst>
+                                    <p:cond delay="0"/>
+                                  </p:stCondLst>
+                                  <p:childTnLst>
+                                    <p:set>
+                                      <p:cBhvr>
+                                        <p:cTn id="22" dur="1" fill="hold">
+                                          <p:stCondLst>
+                                            <p:cond delay="0"/>
+                                          </p:stCondLst>
+                                        </p:cTn>
+                                        <p:tgtEl>
+                                          <p:spTgt spid="32"/>
+                                        </p:tgtEl>
+                                        <p:attrNameLst>
+                                          <p:attrName>style.visibility</p:attrName>
+                                        </p:attrNameLst>
+                                      </p:cBhvr>
+                                      <p:to>
+                                        <p:strVal val="visible"/>
+                                      </p:to>
+                                    </p:set>
+                                  </p:childTnLst>
+                                </p:cTn>
+                              </p:par>
+                              <p:par>
+                                <p:cTn id="23" presetID="1" presetClass="entr" presetSubtype="0" fill="hold" nodeType="withEffect">
+                                  <p:stCondLst>
+                                    <p:cond delay="0"/>
+                                  </p:stCondLst>
+                                  <p:childTnLst>
+                                    <p:set>
+                                      <p:cBhvr>
+                                        <p:cTn id="24" dur="1" fill="hold">
+                                          <p:stCondLst>
+                                            <p:cond delay="0"/>
+                                          </p:stCondLst>
+                                        </p:cTn>
+                                        <p:tgtEl>
+                                          <p:spTgt spid="11"/>
+                                        </p:tgtEl>
+                                        <p:attrNameLst>
+                                          <p:attrName>style.visibility</p:attrName>
+                                        </p:attrNameLst>
+                                      </p:cBhvr>
+                                      <p:to>
+                                        <p:strVal val="visible"/>
+                                      </p:to>
+                                    </p:set>
+                                  </p:childTnLst>
+                                </p:cTn>
+                              </p:par>
+                              <p:par>
+                                <p:cTn id="25" presetID="1" presetClass="entr" presetSubtype="0" fill="hold" nodeType="withEffect">
+                                  <p:stCondLst>
+                                    <p:cond delay="0"/>
+                                  </p:stCondLst>
+                                  <p:childTnLst>
+                                    <p:set>
+                                      <p:cBhvr>
+                                        <p:cTn id="26" dur="1" fill="hold">
+                                          <p:stCondLst>
+                                            <p:cond delay="0"/>
+                                          </p:stCondLst>
+                                        </p:cTn>
+                                        <p:tgtEl>
+                                          <p:spTgt spid="3074"/>
+                                        </p:tgtEl>
+                                        <p:attrNameLst>
+                                          <p:attrName>style.visibility</p:attrName>
+                                        </p:attrNameLst>
+                                      </p:cBhvr>
+                                      <p:to>
+                                        <p:strVal val="visible"/>
+                                      </p:to>
+                                    </p:set>
+                                  </p:childTnLst>
+                                </p:cTn>
+                              </p:par>
+                              <p:par>
+                                <p:cTn id="27" presetID="1" presetClass="entr" presetSubtype="0" fill="hold" nodeType="withEffect">
+                                  <p:stCondLst>
+                                    <p:cond delay="0"/>
+                                  </p:stCondLst>
+                                  <p:childTnLst>
+                                    <p:set>
+                                      <p:cBhvr>
+                                        <p:cTn id="28" dur="1" fill="hold">
+                                          <p:stCondLst>
+                                            <p:cond delay="0"/>
+                                          </p:stCondLst>
+                                        </p:cTn>
+                                        <p:tgtEl>
+                                          <p:spTgt spid="3075"/>
+                                        </p:tgtEl>
+                                        <p:attrNameLst>
+                                          <p:attrName>style.visibility</p:attrName>
+                                        </p:attrNameLst>
+                                      </p:cBhvr>
+                                      <p:to>
+                                        <p:strVal val="visible"/>
+                                      </p:to>
+                                    </p:set>
+                                  </p:childTnLst>
+                                </p:cTn>
+                              </p:par>
+                            </p:childTnLst>
+                          </p:cTn>
+                        </p:par>
+                      </p:childTnLst>
+                    </p:cTn>
+                  </p:par>
+                  <p:par>
+                    <p:cTn id="29" fill="hold">
+                      <p:stCondLst>
+                        <p:cond delay="indefinite"/>
+                      </p:stCondLst>
+                      <p:childTnLst>
+                        <p:par>
+                          <p:cTn id="30" fill="hold">
+                            <p:stCondLst>
+                              <p:cond delay="0"/>
+                            </p:stCondLst>
+                            <p:childTnLst>
+                              <p:par>
+                                <p:cTn id="31" presetID="1" presetClass="entr" presetSubtype="0" fill="hold" grpId="0" nodeType="clickEffect">
+                                  <p:stCondLst>
+                                    <p:cond delay="0"/>
+                                  </p:stCondLst>
+                                  <p:childTnLst>
+                                    <p:set>
+                                      <p:cBhvr>
+                                        <p:cTn id="32" dur="1" fill="hold">
+                                          <p:stCondLst>
+                                            <p:cond delay="0"/>
+                                          </p:stCondLst>
+                                        </p:cTn>
+                                        <p:tgtEl>
+                                          <p:spTgt spid="37"/>
+                                        </p:tgtEl>
+                                        <p:attrNameLst>
+                                          <p:attrName>style.visibility</p:attrName>
+                                        </p:attrNameLst>
+                                      </p:cBhvr>
+                                      <p:to>
+                                        <p:strVal val="visible"/>
+                                      </p:to>
+                                    </p:set>
+                                  </p:childTnLst>
+                                </p:cTn>
+                              </p:par>
+                              <p:par>
+                                <p:cTn id="33" presetID="1" presetClass="entr" presetSubtype="0" fill="hold" nodeType="withEffect">
+                                  <p:stCondLst>
+                                    <p:cond delay="0"/>
+                                  </p:stCondLst>
+                                  <p:childTnLst>
+                                    <p:set>
+                                      <p:cBhvr>
+                                        <p:cTn id="34" dur="1" fill="hold">
+                                          <p:stCondLst>
+                                            <p:cond delay="0"/>
+                                          </p:stCondLst>
+                                        </p:cTn>
+                                        <p:tgtEl>
+                                          <p:spTgt spid="10"/>
+                                        </p:tgtEl>
+                                        <p:attrNameLst>
+                                          <p:attrName>style.visibility</p:attrName>
+                                        </p:attrNameLst>
+                                      </p:cBhvr>
+                                      <p:to>
+                                        <p:strVal val="visible"/>
+                                      </p:to>
+                                    </p:set>
+                                  </p:childTnLst>
+                                </p:cTn>
+                              </p:par>
+                              <p:par>
+                                <p:cTn id="35" presetID="1" presetClass="entr" presetSubtype="0" fill="hold" nodeType="withEffect">
+                                  <p:stCondLst>
+                                    <p:cond delay="0"/>
+                                  </p:stCondLst>
+                                  <p:childTnLst>
+                                    <p:set>
+                                      <p:cBhvr>
+                                        <p:cTn id="36" dur="1" fill="hold">
+                                          <p:stCondLst>
+                                            <p:cond delay="0"/>
+                                          </p:stCondLst>
+                                        </p:cTn>
+                                        <p:tgtEl>
+                                          <p:spTgt spid="28"/>
+                                        </p:tgtEl>
+                                        <p:attrNameLst>
+                                          <p:attrName>style.visibility</p:attrName>
+                                        </p:attrNameLst>
+                                      </p:cBhvr>
+                                      <p:to>
+                                        <p:strVal val="visible"/>
+                                      </p:to>
+                                    </p:set>
+                                  </p:childTnLst>
+                                </p:cTn>
+                              </p:par>
+                              <p:par>
+                                <p:cTn id="37" presetID="1" presetClass="entr" presetSubtype="0" fill="hold" nodeType="withEffect">
+                                  <p:stCondLst>
+                                    <p:cond delay="0"/>
+                                  </p:stCondLst>
+                                  <p:childTnLst>
+                                    <p:set>
+                                      <p:cBhvr>
+                                        <p:cTn id="38" dur="1" fill="hold">
+                                          <p:stCondLst>
+                                            <p:cond delay="0"/>
+                                          </p:stCondLst>
+                                        </p:cTn>
+                                        <p:tgtEl>
+                                          <p:spTgt spid="6"/>
+                                        </p:tgtEl>
+                                        <p:attrNameLst>
+                                          <p:attrName>style.visibility</p:attrName>
+                                        </p:attrNameLst>
+                                      </p:cBhvr>
+                                      <p:to>
+                                        <p:strVal val="visible"/>
+                                      </p:to>
+                                    </p:set>
+                                  </p:childTnLst>
+                                </p:cTn>
+                              </p:par>
+                              <p:par>
+                                <p:cTn id="39" presetID="1" presetClass="entr" presetSubtype="0" fill="hold" nodeType="withEffect">
+                                  <p:stCondLst>
+                                    <p:cond delay="0"/>
+                                  </p:stCondLst>
+                                  <p:childTnLst>
+                                    <p:set>
+                                      <p:cBhvr>
+                                        <p:cTn id="40" dur="1" fill="hold">
+                                          <p:stCondLst>
+                                            <p:cond delay="0"/>
+                                          </p:stCondLst>
+                                        </p:cTn>
+                                        <p:tgtEl>
+                                          <p:spTgt spid="7"/>
+                                        </p:tgtEl>
+                                        <p:attrNameLst>
+                                          <p:attrName>style.visibility</p:attrName>
+                                        </p:attrNameLst>
+                                      </p:cBhvr>
+                                      <p:to>
+                                        <p:strVal val="visible"/>
+                                      </p:to>
+                                    </p:set>
+                                  </p:childTnLst>
+                                </p:cTn>
+                              </p:par>
+                            </p:childTnLst>
+                          </p:cTn>
+                        </p:par>
+                      </p:childTnLst>
+                    </p:cTn>
+                  </p:par>
+                </p:childTnLst>
+              </p:cTn>
+              <p:prevCondLst>
+                <p:cond evt="onPrev" delay="0">
+                  <p:tgtEl>
+                    <p:sldTgt/>
+                  </p:tgtEl>
+                </p:cond>
+              </p:prevCondLst>
+              <p:nextCondLst>
+                <p:cond evt="onNext" delay="0">
+                  <p:tgtEl>
+                    <p:sldTgt/>
+                  </p:tgtEl>
+                </p:cond>
+              </p:nextCondLst>
+            </p:seq>
+          </p:childTnLst>
+        </p:cTn>
+      </p:par>
+    </p:tnLst>
+    <p:bldLst>
+      <p:bldP spid="3" grpId="0" build="p"/>
+      <p:bldP spid="5" grpId="0"/>
+      <p:bldP spid="32" grpId="0"/>
+      <p:bldP spid="36" grpId="0"/>
+      <p:bldP spid="37" grpId="0"/>
+    </p:bldLst>
+  </p:timing>
+</p:sld>
+</file>
+
+<file path=ppt/slides/slide9.xml><?xml version="1.0" encoding="utf-8"?>
 <p:sld xmlns:a="http://schemas.openxmlformats.org/drawingml/2006/main" xmlns:r="http://schemas.openxmlformats.org/officeDocument/2006/relationships" xmlns:p="http://schemas.openxmlformats.org/presentationml/2006/main">
   <p:cSld>
     <p:spTree>
@@ -13662,7 +16645,7 @@
           <a:p>
             <a:r>
               <a:rPr lang="en-US" dirty="0" smtClean="0"/>
-              <a:t>Benefits</a:t>
+              <a:t>Risks</a:t>
             </a:r>
             <a:endParaRPr lang="en-US" dirty="0"/>
           </a:p>
@@ -13683,7 +16666,19 @@
           <a:bodyPr/>
           <a:lstStyle/>
           <a:p>
-            <a:endParaRPr lang="en-US"/>
+            <a:r>
+              <a:rPr lang="en-US" dirty="0" smtClean="0"/>
+              <a:t>Standard GPS doesn’t work inside building – take advantage of </a:t>
+            </a:r>
+            <a:r>
+              <a:rPr lang="en-US" dirty="0" err="1" smtClean="0"/>
+              <a:t>wi-fi</a:t>
+            </a:r>
+            <a:r>
+              <a:rPr lang="en-US" dirty="0" smtClean="0"/>
+              <a:t>.</a:t>
+            </a:r>
+            <a:endParaRPr lang="en-US" dirty="0"/>
           </a:p>
         </p:txBody>
       </p:sp>
@@ -13695,146 +16690,13 @@
   <p:transition>
     <p:fade/>
   </p:transition>
-</p:sld>
-</file>
-
-<file path=ppt/slides/slide7.xml><?xml version="1.0" encoding="utf-8"?>
-<p:sld xmlns:a="http://schemas.openxmlformats.org/drawingml/2006/main" xmlns:r="http://schemas.openxmlformats.org/officeDocument/2006/relationships" xmlns:p="http://schemas.openxmlformats.org/presentationml/2006/main">
-  <p:cSld>
-    <p:spTree>
-      <p:nvGrpSpPr>
-        <p:cNvPr id="1" name=""/>
-        <p:cNvGrpSpPr/>
-        <p:nvPr/>
-      </p:nvGrpSpPr>
-      <p:grpSpPr>
-        <a:xfrm>
-          <a:off x="0" y="0"/>
-          <a:ext cx="0" cy="0"/>
-          <a:chOff x="0" y="0"/>
-          <a:chExt cx="0" cy="0"/>
-        </a:xfrm>
-      </p:grpSpPr>
-      <p:sp>
-        <p:nvSpPr>
-          <p:cNvPr id="2" name="Title 1"/>
-          <p:cNvSpPr>
-            <a:spLocks noGrp="1"/>
-          </p:cNvSpPr>
-          <p:nvPr>
-            <p:ph type="title"/>
-          </p:nvPr>
-        </p:nvSpPr>
-        <p:spPr/>
-        <p:txBody>
-          <a:bodyPr/>
-          <a:lstStyle/>
-          <a:p>
-            <a:r>
-              <a:rPr lang="en-US" dirty="0" smtClean="0"/>
-              <a:t>Issues</a:t>
-            </a:r>
-            <a:endParaRPr lang="en-US" dirty="0"/>
-          </a:p>
-        </p:txBody>
-      </p:sp>
-      <p:sp>
-        <p:nvSpPr>
-          <p:cNvPr id="3" name="Text Placeholder 2"/>
-          <p:cNvSpPr>
-            <a:spLocks noGrp="1"/>
-          </p:cNvSpPr>
-          <p:nvPr>
-            <p:ph type="body" sz="quarter" idx="10"/>
-          </p:nvPr>
-        </p:nvSpPr>
-        <p:spPr/>
-        <p:txBody>
-          <a:bodyPr/>
-          <a:lstStyle/>
-          <a:p>
-            <a:endParaRPr lang="en-US"/>
-          </a:p>
-        </p:txBody>
-      </p:sp>
-    </p:spTree>
-  </p:cSld>
-  <p:clrMapOvr>
-    <a:masterClrMapping/>
-  </p:clrMapOvr>
-  <p:transition>
-    <p:fade/>
-  </p:transition>
-</p:sld>
-</file>
-
-<file path=ppt/slides/slide8.xml><?xml version="1.0" encoding="utf-8"?>
-<p:sld xmlns:a="http://schemas.openxmlformats.org/drawingml/2006/main" xmlns:r="http://schemas.openxmlformats.org/officeDocument/2006/relationships" xmlns:p="http://schemas.openxmlformats.org/presentationml/2006/main">
-  <p:cSld>
-    <p:spTree>
-      <p:nvGrpSpPr>
-        <p:cNvPr id="1" name=""/>
-        <p:cNvGrpSpPr/>
-        <p:nvPr/>
-      </p:nvGrpSpPr>
-      <p:grpSpPr>
-        <a:xfrm>
-          <a:off x="0" y="0"/>
-          <a:ext cx="0" cy="0"/>
-          <a:chOff x="0" y="0"/>
-          <a:chExt cx="0" cy="0"/>
-        </a:xfrm>
-      </p:grpSpPr>
-      <p:sp>
-        <p:nvSpPr>
-          <p:cNvPr id="2" name="Title 1"/>
-          <p:cNvSpPr>
-            <a:spLocks noGrp="1"/>
-          </p:cNvSpPr>
-          <p:nvPr>
-            <p:ph type="title"/>
-          </p:nvPr>
-        </p:nvSpPr>
-        <p:spPr/>
-        <p:txBody>
-          <a:bodyPr/>
-          <a:lstStyle/>
-          <a:p>
-            <a:r>
-              <a:rPr lang="en-US" dirty="0" smtClean="0"/>
-              <a:t>Conclusion</a:t>
-            </a:r>
-            <a:endParaRPr lang="en-US" dirty="0"/>
-          </a:p>
-        </p:txBody>
-      </p:sp>
-      <p:sp>
-        <p:nvSpPr>
-          <p:cNvPr id="3" name="Text Placeholder 2"/>
-          <p:cNvSpPr>
-            <a:spLocks noGrp="1"/>
-          </p:cNvSpPr>
-          <p:nvPr>
-            <p:ph type="body" sz="quarter" idx="10"/>
-          </p:nvPr>
-        </p:nvSpPr>
-        <p:spPr/>
-        <p:txBody>
-          <a:bodyPr/>
-          <a:lstStyle/>
-          <a:p>
-            <a:endParaRPr lang="en-US"/>
-          </a:p>
-        </p:txBody>
-      </p:sp>
-    </p:spTree>
-  </p:cSld>
-  <p:clrMapOvr>
-    <a:masterClrMapping/>
-  </p:clrMapOvr>
-  <p:transition>
-    <p:fade/>
-  </p:transition>
+  <p:timing>
+    <p:tnLst>
+      <p:par>
+        <p:cTn id="1" dur="indefinite" restart="never" nodeType="tmRoot"/>
+      </p:par>
+    </p:tnLst>
+  </p:timing>
 </p:sld>
 </file>
 
@@ -15148,7 +18010,7 @@
   <a:extraClrSchemeLst/>
   <a:extLst>
     <a:ext uri="{05A4C25C-085E-4340-85A3-A5531E510DB2}">
-      <thm15:themeFamily xmlns:thm15="http://schemas.microsoft.com/office/thememl/2012/main" xmlns="" name="Office Theme" id="{62F939B6-93AF-4DB8-9C6B-D6C7DFDC589F}" vid="{4A3C46E8-61CC-4603-A589-7422A47A8E4A}"/>
+      <thm15:themeFamily xmlns="" xmlns:thm15="http://schemas.microsoft.com/office/thememl/2012/main" name="Office Theme" id="{62F939B6-93AF-4DB8-9C6B-D6C7DFDC589F}" vid="{4A3C46E8-61CC-4603-A589-7422A47A8E4A}"/>
     </a:ext>
   </a:extLst>
 </a:theme>
